--- a/src/video-12-data-analysis.pptx
+++ b/src/video-12-data-analysis.pptx
@@ -4,6 +4,9 @@
   <p:sldMasterIdLst>
     <p:sldMasterId id="2147483648" r:id="rId1"/>
   </p:sldMasterIdLst>
+  <p:notesMasterIdLst>
+    <p:NotesMasterId r:id="rId53"/>
+  </p:notesMasterIdLst>
   <p:sldIdLst>
     <p:sldId id="256" r:id="rId2"/>
     <p:sldId id="257" r:id="rId3"/>
@@ -53,6 +56,9 @@
     <p:sldId id="301" r:id="rId47"/>
     <p:sldId id="302" r:id="rId48"/>
     <p:sldId id="303" r:id="rId49"/>
+    <p:sldId id="304" r:id="rId50"/>
+    <p:sldId id="305" r:id="rId51"/>
+    <p:sldId id="306" r:id="rId52"/>
   </p:sldIdLst>
   <p:sldSz cx="9144000" cy="6858000" type="screen4x3"/>
   <p:notesSz cx="6858000" cy="9144000"/>
@@ -168,6 +174,1095 @@
     </p:ext>
   </p:extLst>
 </p:presentation>
+</file>
+
+<file path=ppt/notesMasters/notesMaster1.xml><?xml version="1.0" encoding="utf-8"?>
+<p:notesMaster xmlns:a="http://schemas.openxmlformats.org/drawingml/2006/main" xmlns:r="http://schemas.openxmlformats.org/officeDocument/2006/relationships" xmlns:p="http://schemas.openxmlformats.org/presentationml/2006/main">
+  <p:cSld>
+    <p:bg>
+      <p:bgRef idx="1001">
+        <a:schemeClr val="bg1"/>
+      </p:bgRef>
+    </p:bg>
+    <p:spTree>
+      <p:nvGrpSpPr>
+        <p:cNvPr id="1" name=""/>
+        <p:cNvGrpSpPr/>
+        <p:nvPr/>
+      </p:nvGrpSpPr>
+      <p:grpSpPr>
+        <a:xfrm>
+          <a:off x="0" y="0"/>
+          <a:ext cx="0" cy="0"/>
+          <a:chOff x="0" y="0"/>
+          <a:chExt cx="0" cy="0"/>
+        </a:xfrm>
+      </p:grpSpPr>
+      <p:sp>
+        <p:nvSpPr>
+          <p:cNvPr id="2" name="Header Placeholder 1"/>
+          <p:cNvSpPr>
+            <a:spLocks noGrp="1"/>
+          </p:cNvSpPr>
+          <p:nvPr>
+            <p:ph type="hdr" sz="quarter"/>
+          </p:nvPr>
+        </p:nvSpPr>
+        <p:spPr>
+          <a:xfrm>
+            <a:off x="0" y="0"/>
+            <a:ext cx="2971800" cy="458788"/>
+          </a:xfrm>
+          <a:prstGeom prst="rect">
+            <a:avLst/>
+          </a:prstGeom>
+        </p:spPr>
+        <p:txBody>
+          <a:bodyPr vert="horz" lIns="91440" tIns="45720" rIns="91440" bIns="45720" rtlCol="0"/>
+          <a:lstStyle>
+            <a:lvl1pPr algn="l">
+              <a:defRPr sz="1200"/>
+            </a:lvl1pPr>
+          </a:lstStyle>
+          <a:p>
+            <a:endParaRPr lang="en-US"/>
+          </a:p>
+        </p:txBody>
+      </p:sp>
+      <p:sp>
+        <p:nvSpPr>
+          <p:cNvPr id="3" name="Date Placeholder 2"/>
+          <p:cNvSpPr>
+            <a:spLocks noGrp="1"/>
+          </p:cNvSpPr>
+          <p:nvPr>
+            <p:ph type="dt" idx="1"/>
+          </p:nvPr>
+        </p:nvSpPr>
+        <p:spPr>
+          <a:xfrm>
+            <a:off x="3884613" y="0"/>
+            <a:ext cx="2971800" cy="458788"/>
+          </a:xfrm>
+          <a:prstGeom prst="rect">
+            <a:avLst/>
+          </a:prstGeom>
+        </p:spPr>
+        <p:txBody>
+          <a:bodyPr vert="horz" lIns="91440" tIns="45720" rIns="91440" bIns="45720" rtlCol="0"/>
+          <a:lstStyle>
+            <a:lvl1pPr algn="r">
+              <a:defRPr sz="1200"/>
+            </a:lvl1pPr>
+          </a:lstStyle>
+          <a:p>
+            <a:fld id="{0F9C1CCF-B725-44A7-AA57-5E433BD85C9F}" type="datetimeFigureOut">
+              <a:rPr lang="en-US" smtClean="0"/>
+              <a:t>12/30/2018</a:t>
+            </a:fld>
+            <a:endParaRPr lang="en-US"/>
+          </a:p>
+        </p:txBody>
+      </p:sp>
+      <p:sp>
+        <p:nvSpPr>
+          <p:cNvPr id="4" name="Slide Image Placeholder 3"/>
+          <p:cNvSpPr>
+            <a:spLocks noGrp="1" noRot="1" noChangeAspect="1"/>
+          </p:cNvSpPr>
+          <p:nvPr>
+            <p:ph type="sldImg" idx="2"/>
+          </p:nvPr>
+        </p:nvSpPr>
+        <p:spPr>
+          <a:xfrm>
+            <a:off x="1371600" y="1143000"/>
+            <a:ext cx="4114800" cy="3086100"/>
+          </a:xfrm>
+          <a:prstGeom prst="rect">
+            <a:avLst/>
+          </a:prstGeom>
+          <a:noFill/>
+          <a:ln w="12700">
+            <a:solidFill>
+              <a:prstClr val="black"/>
+            </a:solidFill>
+          </a:ln>
+        </p:spPr>
+        <p:txBody>
+          <a:bodyPr vert="horz" lIns="91440" tIns="45720" rIns="91440" bIns="45720" rtlCol="0" anchor="ctr"/>
+          <a:lstStyle/>
+          <a:p>
+            <a:endParaRPr lang="en-US"/>
+          </a:p>
+        </p:txBody>
+      </p:sp>
+      <p:sp>
+        <p:nvSpPr>
+          <p:cNvPr id="5" name="Notes Placeholder 4"/>
+          <p:cNvSpPr>
+            <a:spLocks noGrp="1"/>
+          </p:cNvSpPr>
+          <p:nvPr>
+            <p:ph type="body" sz="quarter" idx="3"/>
+          </p:nvPr>
+        </p:nvSpPr>
+        <p:spPr>
+          <a:xfrm>
+            <a:off x="685800" y="4400550"/>
+            <a:ext cx="5486400" cy="3600450"/>
+          </a:xfrm>
+          <a:prstGeom prst="rect">
+            <a:avLst/>
+          </a:prstGeom>
+        </p:spPr>
+        <p:txBody>
+          <a:bodyPr vert="horz" lIns="91440" tIns="45720" rIns="91440" bIns="45720" rtlCol="0"/>
+          <a:lstStyle/>
+          <a:p>
+            <a:pPr lvl="0"/>
+            <a:r>
+              <a:rPr lang="en-US"/>
+              <a:t>Click to edit Master text styles</a:t>
+            </a:r>
+          </a:p>
+          <a:p>
+            <a:pPr lvl="1"/>
+            <a:r>
+              <a:rPr lang="en-US"/>
+              <a:t>Second level</a:t>
+            </a:r>
+          </a:p>
+          <a:p>
+            <a:pPr lvl="2"/>
+            <a:r>
+              <a:rPr lang="en-US"/>
+              <a:t>Third level</a:t>
+            </a:r>
+          </a:p>
+          <a:p>
+            <a:pPr lvl="3"/>
+            <a:r>
+              <a:rPr lang="en-US"/>
+              <a:t>Fourth level</a:t>
+            </a:r>
+          </a:p>
+          <a:p>
+            <a:pPr lvl="4"/>
+            <a:r>
+              <a:rPr lang="en-US"/>
+              <a:t>Fifth level</a:t>
+            </a:r>
+          </a:p>
+        </p:txBody>
+      </p:sp>
+      <p:sp>
+        <p:nvSpPr>
+          <p:cNvPr id="6" name="Footer Placeholder 5"/>
+          <p:cNvSpPr>
+            <a:spLocks noGrp="1"/>
+          </p:cNvSpPr>
+          <p:nvPr>
+            <p:ph type="ftr" sz="quarter" idx="4"/>
+          </p:nvPr>
+        </p:nvSpPr>
+        <p:spPr>
+          <a:xfrm>
+            <a:off x="0" y="8685213"/>
+            <a:ext cx="2971800" cy="458787"/>
+          </a:xfrm>
+          <a:prstGeom prst="rect">
+            <a:avLst/>
+          </a:prstGeom>
+        </p:spPr>
+        <p:txBody>
+          <a:bodyPr vert="horz" lIns="91440" tIns="45720" rIns="91440" bIns="45720" rtlCol="0" anchor="b"/>
+          <a:lstStyle>
+            <a:lvl1pPr algn="l">
+              <a:defRPr sz="1200"/>
+            </a:lvl1pPr>
+          </a:lstStyle>
+          <a:p>
+            <a:endParaRPr lang="en-US"/>
+          </a:p>
+        </p:txBody>
+      </p:sp>
+      <p:sp>
+        <p:nvSpPr>
+          <p:cNvPr id="7" name="Slide Number Placeholder 6"/>
+          <p:cNvSpPr>
+            <a:spLocks noGrp="1"/>
+          </p:cNvSpPr>
+          <p:nvPr>
+            <p:ph type="sldNum" sz="quarter" idx="5"/>
+          </p:nvPr>
+        </p:nvSpPr>
+        <p:spPr>
+          <a:xfrm>
+            <a:off x="3884613" y="8685213"/>
+            <a:ext cx="2971800" cy="458787"/>
+          </a:xfrm>
+          <a:prstGeom prst="rect">
+            <a:avLst/>
+          </a:prstGeom>
+        </p:spPr>
+        <p:txBody>
+          <a:bodyPr vert="horz" lIns="91440" tIns="45720" rIns="91440" bIns="45720" rtlCol="0" anchor="b"/>
+          <a:lstStyle>
+            <a:lvl1pPr algn="r">
+              <a:defRPr sz="1200"/>
+            </a:lvl1pPr>
+          </a:lstStyle>
+          <a:p>
+            <a:fld id="{18BDFEC3-8487-43E8-A154-7C12CBC1FFF2}" type="slidenum">
+              <a:rPr lang="en-US" smtClean="0"/>
+              <a:t>‹#›</a:t>
+            </a:fld>
+            <a:endParaRPr lang="en-US"/>
+          </a:p>
+        </p:txBody>
+      </p:sp>
+    </p:spTree>
+    <p:extLst>
+      <p:ext uri="{BB962C8B-B14F-4D97-AF65-F5344CB8AC3E}">
+        <p14:creationId xmlns:p14="http://schemas.microsoft.com/office/powerpoint/2010/main" val="3782709779"/>
+      </p:ext>
+    </p:extLst>
+  </p:cSld>
+  <p:clrMap bg1="lt1" tx1="dk1" bg2="lt2" tx2="dk2" accent1="accent1" accent2="accent2" accent3="accent3" accent4="accent4" accent5="accent5" accent6="accent6" hlink="hlink" folHlink="folHlink"/>
+  <p:notesStyle>
+    <a:lvl1pPr marL="0" algn="l" defTabSz="914400" rtl="0" eaLnBrk="1" latinLnBrk="0" hangingPunct="1">
+      <a:defRPr sz="1200" kern="1200">
+        <a:solidFill>
+          <a:schemeClr val="tx1"/>
+        </a:solidFill>
+        <a:latin typeface="+mn-lt"/>
+        <a:ea typeface="+mn-ea"/>
+        <a:cs typeface="+mn-cs"/>
+      </a:defRPr>
+    </a:lvl1pPr>
+    <a:lvl2pPr marL="457200" algn="l" defTabSz="914400" rtl="0" eaLnBrk="1" latinLnBrk="0" hangingPunct="1">
+      <a:defRPr sz="1200" kern="1200">
+        <a:solidFill>
+          <a:schemeClr val="tx1"/>
+        </a:solidFill>
+        <a:latin typeface="+mn-lt"/>
+        <a:ea typeface="+mn-ea"/>
+        <a:cs typeface="+mn-cs"/>
+      </a:defRPr>
+    </a:lvl2pPr>
+    <a:lvl3pPr marL="914400" algn="l" defTabSz="914400" rtl="0" eaLnBrk="1" latinLnBrk="0" hangingPunct="1">
+      <a:defRPr sz="1200" kern="1200">
+        <a:solidFill>
+          <a:schemeClr val="tx1"/>
+        </a:solidFill>
+        <a:latin typeface="+mn-lt"/>
+        <a:ea typeface="+mn-ea"/>
+        <a:cs typeface="+mn-cs"/>
+      </a:defRPr>
+    </a:lvl3pPr>
+    <a:lvl4pPr marL="1371600" algn="l" defTabSz="914400" rtl="0" eaLnBrk="1" latinLnBrk="0" hangingPunct="1">
+      <a:defRPr sz="1200" kern="1200">
+        <a:solidFill>
+          <a:schemeClr val="tx1"/>
+        </a:solidFill>
+        <a:latin typeface="+mn-lt"/>
+        <a:ea typeface="+mn-ea"/>
+        <a:cs typeface="+mn-cs"/>
+      </a:defRPr>
+    </a:lvl4pPr>
+    <a:lvl5pPr marL="1828800" algn="l" defTabSz="914400" rtl="0" eaLnBrk="1" latinLnBrk="0" hangingPunct="1">
+      <a:defRPr sz="1200" kern="1200">
+        <a:solidFill>
+          <a:schemeClr val="tx1"/>
+        </a:solidFill>
+        <a:latin typeface="+mn-lt"/>
+        <a:ea typeface="+mn-ea"/>
+        <a:cs typeface="+mn-cs"/>
+      </a:defRPr>
+    </a:lvl5pPr>
+    <a:lvl6pPr marL="2286000" algn="l" defTabSz="914400" rtl="0" eaLnBrk="1" latinLnBrk="0" hangingPunct="1">
+      <a:defRPr sz="1200" kern="1200">
+        <a:solidFill>
+          <a:schemeClr val="tx1"/>
+        </a:solidFill>
+        <a:latin typeface="+mn-lt"/>
+        <a:ea typeface="+mn-ea"/>
+        <a:cs typeface="+mn-cs"/>
+      </a:defRPr>
+    </a:lvl6pPr>
+    <a:lvl7pPr marL="2743200" algn="l" defTabSz="914400" rtl="0" eaLnBrk="1" latinLnBrk="0" hangingPunct="1">
+      <a:defRPr sz="1200" kern="1200">
+        <a:solidFill>
+          <a:schemeClr val="tx1"/>
+        </a:solidFill>
+        <a:latin typeface="+mn-lt"/>
+        <a:ea typeface="+mn-ea"/>
+        <a:cs typeface="+mn-cs"/>
+      </a:defRPr>
+    </a:lvl7pPr>
+    <a:lvl8pPr marL="3200400" algn="l" defTabSz="914400" rtl="0" eaLnBrk="1" latinLnBrk="0" hangingPunct="1">
+      <a:defRPr sz="1200" kern="1200">
+        <a:solidFill>
+          <a:schemeClr val="tx1"/>
+        </a:solidFill>
+        <a:latin typeface="+mn-lt"/>
+        <a:ea typeface="+mn-ea"/>
+        <a:cs typeface="+mn-cs"/>
+      </a:defRPr>
+    </a:lvl8pPr>
+    <a:lvl9pPr marL="3657600" algn="l" defTabSz="914400" rtl="0" eaLnBrk="1" latinLnBrk="0" hangingPunct="1">
+      <a:defRPr sz="1200" kern="1200">
+        <a:solidFill>
+          <a:schemeClr val="tx1"/>
+        </a:solidFill>
+        <a:latin typeface="+mn-lt"/>
+        <a:ea typeface="+mn-ea"/>
+        <a:cs typeface="+mn-cs"/>
+      </a:defRPr>
+    </a:lvl9pPr>
+  </p:notesStyle>
+</p:notesMaster>
+</file>
+
+<file path=ppt/notesSlides/notesSlide1.xml><?xml version="1.0" encoding="utf-8"?>
+<p:notes xmlns:a="http://schemas.openxmlformats.org/drawingml/2006/main" xmlns:r="http://schemas.openxmlformats.org/officeDocument/2006/relationships" xmlns:p="http://schemas.openxmlformats.org/presentationml/2006/main">
+  <p:cSld>
+    <p:spTree>
+      <p:nvGrpSpPr>
+        <p:cNvPr id="1" name=""/>
+        <p:cNvGrpSpPr/>
+        <p:nvPr/>
+      </p:nvGrpSpPr>
+      <p:grpSpPr>
+        <a:xfrm>
+          <a:off x="0" y="0"/>
+          <a:ext cx="0" cy="0"/>
+          <a:chOff x="0" y="0"/>
+          <a:chExt cx="0" cy="0"/>
+        </a:xfrm>
+      </p:grpSpPr>
+      <p:sp>
+        <p:nvSpPr>
+          <p:cNvPr id="2" name="Slide Image Placeholder 1"/>
+          <p:cNvSpPr>
+            <a:spLocks noGrp="1" noRot="1" noChangeAspect="1"/>
+          </p:cNvSpPr>
+          <p:nvPr>
+            <p:ph type="sldImg"/>
+          </p:nvPr>
+        </p:nvSpPr>
+        <p:spPr/>
+      </p:sp>
+      <p:sp>
+        <p:nvSpPr>
+          <p:cNvPr id="3" name="Notes Placeholder 2"/>
+          <p:cNvSpPr>
+            <a:spLocks noGrp="1"/>
+          </p:cNvSpPr>
+          <p:nvPr>
+            <p:ph type="body" idx="1"/>
+          </p:nvPr>
+        </p:nvSpPr>
+        <p:spPr/>
+        <p:txBody>
+          <a:bodyPr/>
+          <a:lstStyle/>
+          <a:p>
+            <a:pPr lvl="1"/>
+            <a:r>
+              <a:rPr/>
+              <a:t>Example</a:t>
+            </a:r>
+          </a:p>
+        </p:txBody>
+      </p:sp>
+      <p:sp>
+        <p:nvSpPr>
+          <p:cNvPr id="4" name="Slide Number Placeholder 3"/>
+          <p:cNvSpPr>
+            <a:spLocks noGrp="1"/>
+          </p:cNvSpPr>
+          <p:nvPr>
+            <p:ph type="sldNum" sz="quarter" idx="10"/>
+          </p:nvPr>
+        </p:nvSpPr>
+        <p:spPr/>
+        <p:txBody>
+          <a:bodyPr/>
+          <a:lstStyle/>
+          <a:p>
+            <a:fld id="{18BDFEC3-8487-43E8-A154-7C12CBC1FFF2}" type="slidenum">
+              <a:rPr lang="en-US"/>
+              <a:t>8</a:t>
+            </a:fld>
+            <a:endParaRPr lang="en-US"/>
+          </a:p>
+        </p:txBody>
+      </p:sp>
+    </p:spTree>
+  </p:cSld>
+</p:notes>
+</file>
+
+<file path=ppt/notesSlides/notesSlide2.xml><?xml version="1.0" encoding="utf-8"?>
+<p:notes xmlns:a="http://schemas.openxmlformats.org/drawingml/2006/main" xmlns:r="http://schemas.openxmlformats.org/officeDocument/2006/relationships" xmlns:p="http://schemas.openxmlformats.org/presentationml/2006/main">
+  <p:cSld>
+    <p:spTree>
+      <p:nvGrpSpPr>
+        <p:cNvPr id="1" name=""/>
+        <p:cNvGrpSpPr/>
+        <p:nvPr/>
+      </p:nvGrpSpPr>
+      <p:grpSpPr>
+        <a:xfrm>
+          <a:off x="0" y="0"/>
+          <a:ext cx="0" cy="0"/>
+          <a:chOff x="0" y="0"/>
+          <a:chExt cx="0" cy="0"/>
+        </a:xfrm>
+      </p:grpSpPr>
+      <p:sp>
+        <p:nvSpPr>
+          <p:cNvPr id="2" name="Slide Image Placeholder 1"/>
+          <p:cNvSpPr>
+            <a:spLocks noGrp="1" noRot="1" noChangeAspect="1"/>
+          </p:cNvSpPr>
+          <p:nvPr>
+            <p:ph type="sldImg"/>
+          </p:nvPr>
+        </p:nvSpPr>
+        <p:spPr/>
+      </p:sp>
+      <p:sp>
+        <p:nvSpPr>
+          <p:cNvPr id="3" name="Notes Placeholder 2"/>
+          <p:cNvSpPr>
+            <a:spLocks noGrp="1"/>
+          </p:cNvSpPr>
+          <p:nvPr>
+            <p:ph type="body" idx="1"/>
+          </p:nvPr>
+        </p:nvSpPr>
+        <p:spPr/>
+        <p:txBody>
+          <a:bodyPr/>
+          <a:lstStyle/>
+          <a:p>
+            <a:pPr lvl="1"/>
+            <a:r>
+              <a:rPr/>
+              <a:t>Statistical</a:t>
+            </a:r>
+            <a:r>
+              <a:rPr/>
+              <a:t> </a:t>
+            </a:r>
+            <a:r>
+              <a:rPr/>
+              <a:t>testing</a:t>
+            </a:r>
+            <a:r>
+              <a:rPr/>
+              <a:t> </a:t>
+            </a:r>
+            <a:r>
+              <a:rPr/>
+              <a:t>–</a:t>
+            </a:r>
+            <a:r>
+              <a:rPr/>
+              <a:t> </a:t>
+            </a:r>
+            <a:r>
+              <a:rPr/>
+              <a:t>possible</a:t>
+            </a:r>
+            <a:r>
+              <a:rPr/>
+              <a:t> </a:t>
+            </a:r>
+            <a:r>
+              <a:rPr/>
+              <a:t>outcomes</a:t>
+            </a:r>
+          </a:p>
+        </p:txBody>
+      </p:sp>
+      <p:sp>
+        <p:nvSpPr>
+          <p:cNvPr id="4" name="Slide Number Placeholder 3"/>
+          <p:cNvSpPr>
+            <a:spLocks noGrp="1"/>
+          </p:cNvSpPr>
+          <p:nvPr>
+            <p:ph type="sldNum" sz="quarter" idx="10"/>
+          </p:nvPr>
+        </p:nvSpPr>
+        <p:spPr/>
+        <p:txBody>
+          <a:bodyPr/>
+          <a:lstStyle/>
+          <a:p>
+            <a:fld id="{18BDFEC3-8487-43E8-A154-7C12CBC1FFF2}" type="slidenum">
+              <a:rPr lang="en-US"/>
+              <a:t>12</a:t>
+            </a:fld>
+            <a:endParaRPr lang="en-US"/>
+          </a:p>
+        </p:txBody>
+      </p:sp>
+    </p:spTree>
+  </p:cSld>
+</p:notes>
+</file>
+
+<file path=ppt/notesSlides/notesSlide3.xml><?xml version="1.0" encoding="utf-8"?>
+<p:notes xmlns:a="http://schemas.openxmlformats.org/drawingml/2006/main" xmlns:r="http://schemas.openxmlformats.org/officeDocument/2006/relationships" xmlns:p="http://schemas.openxmlformats.org/presentationml/2006/main">
+  <p:cSld>
+    <p:spTree>
+      <p:nvGrpSpPr>
+        <p:cNvPr id="1" name=""/>
+        <p:cNvGrpSpPr/>
+        <p:nvPr/>
+      </p:nvGrpSpPr>
+      <p:grpSpPr>
+        <a:xfrm>
+          <a:off x="0" y="0"/>
+          <a:ext cx="0" cy="0"/>
+          <a:chOff x="0" y="0"/>
+          <a:chExt cx="0" cy="0"/>
+        </a:xfrm>
+      </p:grpSpPr>
+      <p:sp>
+        <p:nvSpPr>
+          <p:cNvPr id="2" name="Slide Image Placeholder 1"/>
+          <p:cNvSpPr>
+            <a:spLocks noGrp="1" noRot="1" noChangeAspect="1"/>
+          </p:cNvSpPr>
+          <p:nvPr>
+            <p:ph type="sldImg"/>
+          </p:nvPr>
+        </p:nvSpPr>
+        <p:spPr/>
+      </p:sp>
+      <p:sp>
+        <p:nvSpPr>
+          <p:cNvPr id="3" name="Notes Placeholder 2"/>
+          <p:cNvSpPr>
+            <a:spLocks noGrp="1"/>
+          </p:cNvSpPr>
+          <p:nvPr>
+            <p:ph type="body" idx="1"/>
+          </p:nvPr>
+        </p:nvSpPr>
+        <p:spPr/>
+        <p:txBody>
+          <a:bodyPr/>
+          <a:lstStyle/>
+          <a:p>
+            <a:pPr lvl="1"/>
+            <a:r>
+              <a:rPr/>
+              <a:t>Statistical</a:t>
+            </a:r>
+            <a:r>
+              <a:rPr/>
+              <a:t> </a:t>
+            </a:r>
+            <a:r>
+              <a:rPr/>
+              <a:t>testing</a:t>
+            </a:r>
+          </a:p>
+          <a:p>
+            <a:pPr lvl="0" marL="0" indent="0">
+              <a:buNone/>
+            </a:pPr>
+          </a:p>
+          <a:p>
+            <a:pPr lvl="2"/>
+            <a:r>
+              <a:rPr/>
+              <a:t>Fig</a:t>
+            </a:r>
+            <a:r>
+              <a:rPr/>
+              <a:t> </a:t>
+            </a:r>
+            <a:r>
+              <a:rPr/>
+              <a:t>16.4</a:t>
+            </a:r>
+            <a:r>
+              <a:rPr/>
+              <a:t> </a:t>
+            </a:r>
+            <a:r>
+              <a:rPr/>
+              <a:t>–</a:t>
+            </a:r>
+            <a:r>
+              <a:rPr/>
+              <a:t> </a:t>
+            </a:r>
+            <a:r>
+              <a:rPr/>
+              <a:t>Non-directional</a:t>
+            </a:r>
+          </a:p>
+        </p:txBody>
+      </p:sp>
+      <p:sp>
+        <p:nvSpPr>
+          <p:cNvPr id="4" name="Slide Number Placeholder 3"/>
+          <p:cNvSpPr>
+            <a:spLocks noGrp="1"/>
+          </p:cNvSpPr>
+          <p:nvPr>
+            <p:ph type="sldNum" sz="quarter" idx="10"/>
+          </p:nvPr>
+        </p:nvSpPr>
+        <p:spPr/>
+        <p:txBody>
+          <a:bodyPr/>
+          <a:lstStyle/>
+          <a:p>
+            <a:fld id="{18BDFEC3-8487-43E8-A154-7C12CBC1FFF2}" type="slidenum">
+              <a:rPr lang="en-US"/>
+              <a:t>16</a:t>
+            </a:fld>
+            <a:endParaRPr lang="en-US"/>
+          </a:p>
+        </p:txBody>
+      </p:sp>
+    </p:spTree>
+  </p:cSld>
+</p:notes>
+</file>
+
+<file path=ppt/notesSlides/notesSlide4.xml><?xml version="1.0" encoding="utf-8"?>
+<p:notes xmlns:a="http://schemas.openxmlformats.org/drawingml/2006/main" xmlns:r="http://schemas.openxmlformats.org/officeDocument/2006/relationships" xmlns:p="http://schemas.openxmlformats.org/presentationml/2006/main">
+  <p:cSld>
+    <p:spTree>
+      <p:nvGrpSpPr>
+        <p:cNvPr id="1" name=""/>
+        <p:cNvGrpSpPr/>
+        <p:nvPr/>
+      </p:nvGrpSpPr>
+      <p:grpSpPr>
+        <a:xfrm>
+          <a:off x="0" y="0"/>
+          <a:ext cx="0" cy="0"/>
+          <a:chOff x="0" y="0"/>
+          <a:chExt cx="0" cy="0"/>
+        </a:xfrm>
+      </p:grpSpPr>
+      <p:sp>
+        <p:nvSpPr>
+          <p:cNvPr id="2" name="Slide Image Placeholder 1"/>
+          <p:cNvSpPr>
+            <a:spLocks noGrp="1" noRot="1" noChangeAspect="1"/>
+          </p:cNvSpPr>
+          <p:nvPr>
+            <p:ph type="sldImg"/>
+          </p:nvPr>
+        </p:nvSpPr>
+        <p:spPr/>
+      </p:sp>
+      <p:sp>
+        <p:nvSpPr>
+          <p:cNvPr id="3" name="Notes Placeholder 2"/>
+          <p:cNvSpPr>
+            <a:spLocks noGrp="1"/>
+          </p:cNvSpPr>
+          <p:nvPr>
+            <p:ph type="body" idx="1"/>
+          </p:nvPr>
+        </p:nvSpPr>
+        <p:spPr/>
+        <p:txBody>
+          <a:bodyPr/>
+          <a:lstStyle/>
+          <a:p>
+            <a:pPr lvl="1"/>
+            <a:r>
+              <a:rPr/>
+              <a:t>Determining</a:t>
+            </a:r>
+            <a:r>
+              <a:rPr/>
+              <a:t> </a:t>
+            </a:r>
+            <a:r>
+              <a:rPr/>
+              <a:t>power</a:t>
+            </a:r>
+            <a:r>
+              <a:rPr/>
+              <a:t> </a:t>
+            </a:r>
+            <a:r>
+              <a:rPr/>
+              <a:t>(Fig</a:t>
+            </a:r>
+            <a:r>
+              <a:rPr/>
+              <a:t> </a:t>
+            </a:r>
+            <a:r>
+              <a:rPr/>
+              <a:t>16.1)</a:t>
+            </a:r>
+          </a:p>
+        </p:txBody>
+      </p:sp>
+      <p:sp>
+        <p:nvSpPr>
+          <p:cNvPr id="4" name="Slide Number Placeholder 3"/>
+          <p:cNvSpPr>
+            <a:spLocks noGrp="1"/>
+          </p:cNvSpPr>
+          <p:nvPr>
+            <p:ph type="sldNum" sz="quarter" idx="10"/>
+          </p:nvPr>
+        </p:nvSpPr>
+        <p:spPr/>
+        <p:txBody>
+          <a:bodyPr/>
+          <a:lstStyle/>
+          <a:p>
+            <a:fld id="{18BDFEC3-8487-43E8-A154-7C12CBC1FFF2}" type="slidenum">
+              <a:rPr lang="en-US"/>
+              <a:t>23</a:t>
+            </a:fld>
+            <a:endParaRPr lang="en-US"/>
+          </a:p>
+        </p:txBody>
+      </p:sp>
+    </p:spTree>
+  </p:cSld>
+</p:notes>
+</file>
+
+<file path=ppt/notesSlides/notesSlide5.xml><?xml version="1.0" encoding="utf-8"?>
+<p:notes xmlns:a="http://schemas.openxmlformats.org/drawingml/2006/main" xmlns:r="http://schemas.openxmlformats.org/officeDocument/2006/relationships" xmlns:p="http://schemas.openxmlformats.org/presentationml/2006/main">
+  <p:cSld>
+    <p:spTree>
+      <p:nvGrpSpPr>
+        <p:cNvPr id="1" name=""/>
+        <p:cNvGrpSpPr/>
+        <p:nvPr/>
+      </p:nvGrpSpPr>
+      <p:grpSpPr>
+        <a:xfrm>
+          <a:off x="0" y="0"/>
+          <a:ext cx="0" cy="0"/>
+          <a:chOff x="0" y="0"/>
+          <a:chExt cx="0" cy="0"/>
+        </a:xfrm>
+      </p:grpSpPr>
+      <p:sp>
+        <p:nvSpPr>
+          <p:cNvPr id="2" name="Slide Image Placeholder 1"/>
+          <p:cNvSpPr>
+            <a:spLocks noGrp="1" noRot="1" noChangeAspect="1"/>
+          </p:cNvSpPr>
+          <p:nvPr>
+            <p:ph type="sldImg"/>
+          </p:nvPr>
+        </p:nvSpPr>
+        <p:spPr/>
+      </p:sp>
+      <p:sp>
+        <p:nvSpPr>
+          <p:cNvPr id="3" name="Notes Placeholder 2"/>
+          <p:cNvSpPr>
+            <a:spLocks noGrp="1"/>
+          </p:cNvSpPr>
+          <p:nvPr>
+            <p:ph type="body" idx="1"/>
+          </p:nvPr>
+        </p:nvSpPr>
+        <p:spPr/>
+        <p:txBody>
+          <a:bodyPr/>
+          <a:lstStyle/>
+          <a:p>
+            <a:pPr lvl="1"/>
+            <a:r>
+              <a:rPr/>
+              <a:t>Interpretation</a:t>
+            </a:r>
+            <a:r>
+              <a:rPr/>
+              <a:t> </a:t>
+            </a:r>
+            <a:r>
+              <a:rPr/>
+              <a:t>of</a:t>
+            </a:r>
+            <a:r>
+              <a:rPr/>
+              <a:t> </a:t>
+            </a:r>
+            <a:r>
+              <a:rPr/>
+              <a:t>effect</a:t>
+            </a:r>
+            <a:r>
+              <a:rPr/>
+              <a:t> </a:t>
+            </a:r>
+            <a:r>
+              <a:rPr/>
+              <a:t>sizes</a:t>
+            </a:r>
+            <a:r>
+              <a:rPr/>
+              <a:t> </a:t>
+            </a:r>
+            <a:r>
+              <a:rPr/>
+              <a:t>–</a:t>
+            </a:r>
+          </a:p>
+        </p:txBody>
+      </p:sp>
+      <p:sp>
+        <p:nvSpPr>
+          <p:cNvPr id="4" name="Slide Number Placeholder 3"/>
+          <p:cNvSpPr>
+            <a:spLocks noGrp="1"/>
+          </p:cNvSpPr>
+          <p:nvPr>
+            <p:ph type="sldNum" sz="quarter" idx="10"/>
+          </p:nvPr>
+        </p:nvSpPr>
+        <p:spPr/>
+        <p:txBody>
+          <a:bodyPr/>
+          <a:lstStyle/>
+          <a:p>
+            <a:fld id="{18BDFEC3-8487-43E8-A154-7C12CBC1FFF2}" type="slidenum">
+              <a:rPr lang="en-US"/>
+              <a:t>43</a:t>
+            </a:fld>
+            <a:endParaRPr lang="en-US"/>
+          </a:p>
+        </p:txBody>
+      </p:sp>
+    </p:spTree>
+  </p:cSld>
+</p:notes>
+</file>
+
+<file path=ppt/notesSlides/notesSlide6.xml><?xml version="1.0" encoding="utf-8"?>
+<p:notes xmlns:a="http://schemas.openxmlformats.org/drawingml/2006/main" xmlns:r="http://schemas.openxmlformats.org/officeDocument/2006/relationships" xmlns:p="http://schemas.openxmlformats.org/presentationml/2006/main">
+  <p:cSld>
+    <p:spTree>
+      <p:nvGrpSpPr>
+        <p:cNvPr id="1" name=""/>
+        <p:cNvGrpSpPr/>
+        <p:nvPr/>
+      </p:nvGrpSpPr>
+      <p:grpSpPr>
+        <a:xfrm>
+          <a:off x="0" y="0"/>
+          <a:ext cx="0" cy="0"/>
+          <a:chOff x="0" y="0"/>
+          <a:chExt cx="0" cy="0"/>
+        </a:xfrm>
+      </p:grpSpPr>
+      <p:sp>
+        <p:nvSpPr>
+          <p:cNvPr id="2" name="Slide Image Placeholder 1"/>
+          <p:cNvSpPr>
+            <a:spLocks noGrp="1" noRot="1" noChangeAspect="1"/>
+          </p:cNvSpPr>
+          <p:nvPr>
+            <p:ph type="sldImg"/>
+          </p:nvPr>
+        </p:nvSpPr>
+        <p:spPr/>
+      </p:sp>
+      <p:sp>
+        <p:nvSpPr>
+          <p:cNvPr id="3" name="Notes Placeholder 2"/>
+          <p:cNvSpPr>
+            <a:spLocks noGrp="1"/>
+          </p:cNvSpPr>
+          <p:nvPr>
+            <p:ph type="body" idx="1"/>
+          </p:nvPr>
+        </p:nvSpPr>
+        <p:spPr/>
+        <p:txBody>
+          <a:bodyPr/>
+          <a:lstStyle/>
+          <a:p>
+            <a:pPr lvl="1"/>
+            <a:r>
+              <a:rPr/>
+              <a:t>Simoni</a:t>
+            </a:r>
+            <a:r>
+              <a:rPr/>
+              <a:t> </a:t>
+            </a:r>
+            <a:r>
+              <a:rPr/>
+              <a:t>et</a:t>
+            </a:r>
+            <a:r>
+              <a:rPr/>
+              <a:t> </a:t>
+            </a:r>
+            <a:r>
+              <a:rPr/>
+              <a:t>al.,</a:t>
+            </a:r>
+            <a:r>
+              <a:rPr/>
+              <a:t> </a:t>
+            </a:r>
+            <a:r>
+              <a:rPr/>
+              <a:t>2006</a:t>
+            </a:r>
+          </a:p>
+        </p:txBody>
+      </p:sp>
+      <p:sp>
+        <p:nvSpPr>
+          <p:cNvPr id="4" name="Slide Number Placeholder 3"/>
+          <p:cNvSpPr>
+            <a:spLocks noGrp="1"/>
+          </p:cNvSpPr>
+          <p:nvPr>
+            <p:ph type="sldNum" sz="quarter" idx="10"/>
+          </p:nvPr>
+        </p:nvSpPr>
+        <p:spPr/>
+        <p:txBody>
+          <a:bodyPr/>
+          <a:lstStyle/>
+          <a:p>
+            <a:fld id="{18BDFEC3-8487-43E8-A154-7C12CBC1FFF2}" type="slidenum">
+              <a:rPr lang="en-US"/>
+              <a:t>46</a:t>
+            </a:fld>
+            <a:endParaRPr lang="en-US"/>
+          </a:p>
+        </p:txBody>
+      </p:sp>
+    </p:spTree>
+  </p:cSld>
+</p:notes>
+</file>
+
+<file path=ppt/notesSlides/notesSlide7.xml><?xml version="1.0" encoding="utf-8"?>
+<p:notes xmlns:a="http://schemas.openxmlformats.org/drawingml/2006/main" xmlns:r="http://schemas.openxmlformats.org/officeDocument/2006/relationships" xmlns:p="http://schemas.openxmlformats.org/presentationml/2006/main">
+  <p:cSld>
+    <p:spTree>
+      <p:nvGrpSpPr>
+        <p:cNvPr id="1" name=""/>
+        <p:cNvGrpSpPr/>
+        <p:nvPr/>
+      </p:nvGrpSpPr>
+      <p:grpSpPr>
+        <a:xfrm>
+          <a:off x="0" y="0"/>
+          <a:ext cx="0" cy="0"/>
+          <a:chOff x="0" y="0"/>
+          <a:chExt cx="0" cy="0"/>
+        </a:xfrm>
+      </p:grpSpPr>
+      <p:sp>
+        <p:nvSpPr>
+          <p:cNvPr id="2" name="Slide Image Placeholder 1"/>
+          <p:cNvSpPr>
+            <a:spLocks noGrp="1" noRot="1" noChangeAspect="1"/>
+          </p:cNvSpPr>
+          <p:nvPr>
+            <p:ph type="sldImg"/>
+          </p:nvPr>
+        </p:nvSpPr>
+        <p:spPr/>
+      </p:sp>
+      <p:sp>
+        <p:nvSpPr>
+          <p:cNvPr id="3" name="Notes Placeholder 2"/>
+          <p:cNvSpPr>
+            <a:spLocks noGrp="1"/>
+          </p:cNvSpPr>
+          <p:nvPr>
+            <p:ph type="body" idx="1"/>
+          </p:nvPr>
+        </p:nvSpPr>
+        <p:spPr/>
+        <p:txBody>
+          <a:bodyPr/>
+          <a:lstStyle/>
+          <a:p>
+            <a:pPr lvl="1"/>
+            <a:r>
+              <a:rPr/>
+              <a:t>Simoni</a:t>
+            </a:r>
+            <a:r>
+              <a:rPr/>
+              <a:t> </a:t>
+            </a:r>
+            <a:r>
+              <a:rPr/>
+              <a:t>et</a:t>
+            </a:r>
+            <a:r>
+              <a:rPr/>
+              <a:t> </a:t>
+            </a:r>
+            <a:r>
+              <a:rPr/>
+              <a:t>al.,</a:t>
+            </a:r>
+            <a:r>
+              <a:rPr/>
+              <a:t> </a:t>
+            </a:r>
+            <a:r>
+              <a:rPr/>
+              <a:t>2006</a:t>
+            </a:r>
+          </a:p>
+        </p:txBody>
+      </p:sp>
+      <p:sp>
+        <p:nvSpPr>
+          <p:cNvPr id="4" name="Slide Number Placeholder 3"/>
+          <p:cNvSpPr>
+            <a:spLocks noGrp="1"/>
+          </p:cNvSpPr>
+          <p:nvPr>
+            <p:ph type="sldNum" sz="quarter" idx="10"/>
+          </p:nvPr>
+        </p:nvSpPr>
+        <p:spPr/>
+        <p:txBody>
+          <a:bodyPr/>
+          <a:lstStyle/>
+          <a:p>
+            <a:fld id="{18BDFEC3-8487-43E8-A154-7C12CBC1FFF2}" type="slidenum">
+              <a:rPr lang="en-US"/>
+              <a:t>47</a:t>
+            </a:fld>
+            <a:endParaRPr lang="en-US"/>
+          </a:p>
+        </p:txBody>
+      </p:sp>
+    </p:spTree>
+  </p:cSld>
+</p:notes>
 </file>
 
 <file path=ppt/slideLayouts/slideLayout1.xml><?xml version="1.0" encoding="utf-8"?>
@@ -3373,15 +4468,6 @@
               <a:t>Do NOT “accept” the null hypothesis</a:t>
             </a:r>
           </a:p>
-          <a:p>
-            <a:pPr lvl="0" marL="0" indent="0">
-              <a:buNone/>
-            </a:pPr>
-            <a:r>
-              <a:rPr/>
-              <a:t>.footnote[8]</a:t>
-            </a:r>
-          </a:p>
         </p:txBody>
       </p:sp>
     </p:spTree>
@@ -3558,38 +4644,36 @@
           </a:p>
         </p:txBody>
       </p:sp>
-      <p:sp>
-        <p:nvSpPr>
-          <p:cNvPr id="3" name="Content Placeholder 2"/>
-          <p:cNvSpPr>
-            <a:spLocks noGrp="1"/>
-          </p:cNvSpPr>
-          <p:nvPr>
-            <p:ph idx="1"/>
-          </p:nvPr>
-        </p:nvSpPr>
-        <p:spPr/>
-        <p:txBody>
-          <a:bodyPr/>
-          <a:lstStyle/>
-          <a:p>
-            <a:pPr lvl="1"/>
-            <a:r>
-              <a:rPr/>
-              <a:t>Statistical testing – possible outcomes (assets/img/image2.emf)</a:t>
-            </a:r>
-          </a:p>
-          <a:p>
-            <a:pPr lvl="0" marL="0" indent="0">
-              <a:buNone/>
-            </a:pPr>
-            <a:r>
-              <a:rPr/>
-              <a:t>.footnote[MEDB 5510 - Week 12]</a:t>
-            </a:r>
-          </a:p>
-        </p:txBody>
-      </p:sp>
+      <p:pic>
+        <p:nvPicPr>
+          <p:cNvPr descr="../images/image-12-02.png" id="0" name="Picture 1"/>
+          <p:cNvPicPr>
+            <a:picLocks noGrp="1" noChangeAspect="1"/>
+          </p:cNvPicPr>
+          <p:nvPr/>
+        </p:nvPicPr>
+        <p:blipFill>
+          <a:blip r:embed="rId3"/>
+          <a:stretch>
+            <a:fillRect/>
+          </a:stretch>
+        </p:blipFill>
+        <p:spPr bwMode="auto">
+          <a:xfrm>
+            <a:off x="1384300" y="1600200"/>
+            <a:ext cx="6362700" cy="4521200"/>
+          </a:xfrm>
+          <a:prstGeom prst="rect">
+            <a:avLst/>
+          </a:prstGeom>
+          <a:noFill/>
+          <a:ln w="9525">
+            <a:noFill/>
+            <a:headEnd/>
+            <a:tailEnd/>
+          </a:ln>
+        </p:spPr>
+      </p:pic>
     </p:spTree>
   </p:cSld>
 </p:sld>
@@ -3661,38 +4745,36 @@
           </a:p>
         </p:txBody>
       </p:sp>
-      <p:sp>
-        <p:nvSpPr>
-          <p:cNvPr id="3" name="Content Placeholder 2"/>
-          <p:cNvSpPr>
-            <a:spLocks noGrp="1"/>
-          </p:cNvSpPr>
-          <p:nvPr>
-            <p:ph idx="1"/>
-          </p:nvPr>
-        </p:nvSpPr>
-        <p:spPr/>
-        <p:txBody>
-          <a:bodyPr/>
-          <a:lstStyle/>
-          <a:p>
-            <a:pPr lvl="1"/>
-            <a:r>
-              <a:rPr/>
-              <a:t>Statistical testing – possible outcomes (assets/img/image2.emf)</a:t>
-            </a:r>
-          </a:p>
-          <a:p>
-            <a:pPr lvl="0" marL="0" indent="0">
-              <a:buNone/>
-            </a:pPr>
-            <a:r>
-              <a:rPr/>
-              <a:t>.footnote[MEDB 5510 - Week 12]</a:t>
-            </a:r>
-          </a:p>
-        </p:txBody>
-      </p:sp>
+      <p:pic>
+        <p:nvPicPr>
+          <p:cNvPr descr="../images/image-12-03.png" id="0" name="Picture 1"/>
+          <p:cNvPicPr>
+            <a:picLocks noGrp="1" noChangeAspect="1"/>
+          </p:cNvPicPr>
+          <p:nvPr/>
+        </p:nvPicPr>
+        <p:blipFill>
+          <a:blip r:embed="rId2"/>
+          <a:stretch>
+            <a:fillRect/>
+          </a:stretch>
+        </p:blipFill>
+        <p:spPr bwMode="auto">
+          <a:xfrm>
+            <a:off x="1231900" y="1600200"/>
+            <a:ext cx="6680200" cy="4521200"/>
+          </a:xfrm>
+          <a:prstGeom prst="rect">
+            <a:avLst/>
+          </a:prstGeom>
+          <a:noFill/>
+          <a:ln w="9525">
+            <a:noFill/>
+            <a:headEnd/>
+            <a:tailEnd/>
+          </a:ln>
+        </p:spPr>
+      </p:pic>
     </p:spTree>
   </p:cSld>
 </p:sld>
@@ -3717,55 +4799,6 @@
       </p:grpSpPr>
       <p:sp>
         <p:nvSpPr>
-          <p:cNvPr id="2" name="Title 1"/>
-          <p:cNvSpPr>
-            <a:spLocks noGrp="1"/>
-          </p:cNvSpPr>
-          <p:nvPr>
-            <p:ph type="title"/>
-          </p:nvPr>
-        </p:nvSpPr>
-        <p:spPr/>
-        <p:txBody>
-          <a:bodyPr/>
-          <a:lstStyle/>
-          <a:p>
-            <a:pPr lvl="0" marL="0" indent="0">
-              <a:buNone/>
-            </a:pPr>
-            <a:r>
-              <a:rPr/>
-              <a:t>Making</a:t>
-            </a:r>
-            <a:r>
-              <a:rPr/>
-              <a:t> </a:t>
-            </a:r>
-            <a:r>
-              <a:rPr/>
-              <a:t>Inferences</a:t>
-            </a:r>
-            <a:r>
-              <a:rPr/>
-              <a:t> </a:t>
-            </a:r>
-            <a:r>
-              <a:rPr/>
-              <a:t>-</a:t>
-            </a:r>
-            <a:r>
-              <a:rPr/>
-              <a:t> </a:t>
-            </a:r>
-            <a:r>
-              <a:rPr/>
-              <a:t>NHST</a:t>
-            </a:r>
-          </a:p>
-        </p:txBody>
-      </p:sp>
-      <p:sp>
-        <p:nvSpPr>
           <p:cNvPr id="3" name="Content Placeholder 2"/>
           <p:cNvSpPr>
             <a:spLocks noGrp="1"/>
@@ -3782,37 +4815,7 @@
             <a:pPr lvl="1"/>
             <a:r>
               <a:rPr/>
-              <a:t>Statistical testing</a:t>
-            </a:r>
-          </a:p>
-          <a:p>
-            <a:pPr lvl="2"/>
-            <a:r>
-              <a:rPr/>
-              <a:t>Fig 16.3 – Directional negative</a:t>
-            </a:r>
-          </a:p>
-          <a:p>
-            <a:pPr lvl="3"/>
-            <a:r>
-              <a:rPr/>
-              <a:t>Example – hypothesize that intervention will result in reduction of symptoms</a:t>
-            </a:r>
-          </a:p>
-          <a:p>
-            <a:pPr lvl="2"/>
-            <a:r>
-              <a:rPr/>
-              <a:t>If you made a directional positive alternative hypothesis …. ?</a:t>
-            </a:r>
-          </a:p>
-          <a:p>
-            <a:pPr lvl="0" marL="0" indent="0">
-              <a:buNone/>
-            </a:pPr>
-            <a:r>
-              <a:rPr/>
-              <a:t>.footnote[MEDB 5510 - Week 12]</a:t>
+              <a:t>Statistical testing – possible outcomes</a:t>
             </a:r>
           </a:p>
         </p:txBody>
@@ -3913,16 +4916,21 @@
             <a:pPr lvl="2"/>
             <a:r>
               <a:rPr/>
-              <a:t>Fig 16.4 – Non-directional (assets/img/image3.emf)</a:t>
-            </a:r>
-          </a:p>
-          <a:p>
-            <a:pPr lvl="0" marL="0" indent="0">
-              <a:buNone/>
-            </a:pPr>
-            <a:r>
-              <a:rPr/>
-              <a:t>.footnote[MEDB 5510 - Week 12]</a:t>
+              <a:t>Fig 16.3 – Directional negative</a:t>
+            </a:r>
+          </a:p>
+          <a:p>
+            <a:pPr lvl="3"/>
+            <a:r>
+              <a:rPr/>
+              <a:t>Example – hypothesize that intervention will result in reduction of symptoms</a:t>
+            </a:r>
+          </a:p>
+          <a:p>
+            <a:pPr lvl="2"/>
+            <a:r>
+              <a:rPr/>
+              <a:t>If you made a directional positive alternative hypothesis …. ?</a:t>
             </a:r>
           </a:p>
         </p:txBody>
@@ -3969,79 +4977,65 @@
             </a:pPr>
             <a:r>
               <a:rPr/>
-              <a:t>Power</a:t>
-            </a:r>
-            <a:r>
-              <a:rPr/>
-              <a:t> </a:t>
-            </a:r>
-            <a:r>
-              <a:rPr/>
-              <a:t>Analysis</a:t>
-            </a:r>
-          </a:p>
-        </p:txBody>
-      </p:sp>
-      <p:sp>
-        <p:nvSpPr>
-          <p:cNvPr id="3" name="Content Placeholder 2"/>
-          <p:cNvSpPr>
-            <a:spLocks noGrp="1"/>
-          </p:cNvSpPr>
-          <p:nvPr>
-            <p:ph idx="1"/>
-          </p:nvPr>
-        </p:nvSpPr>
-        <p:spPr/>
-        <p:txBody>
-          <a:bodyPr/>
-          <a:lstStyle/>
-          <a:p>
-            <a:pPr lvl="1"/>
-            <a:r>
-              <a:rPr/>
-              <a:t>Probability of rejecting a false H 0</a:t>
-            </a:r>
-          </a:p>
-          <a:p>
-            <a:pPr lvl="2"/>
-            <a:r>
-              <a:rPr/>
-              <a:t>This is a GOOD thing!</a:t>
-            </a:r>
-          </a:p>
-          <a:p>
-            <a:pPr lvl="2"/>
-            <a:r>
-              <a:rPr/>
-              <a:t>Want to maximize this (within reasonable limits!)</a:t>
-            </a:r>
-          </a:p>
-          <a:p>
-            <a:pPr lvl="2"/>
-            <a:r>
-              <a:rPr/>
-              <a:t>What is power analysis</a:t>
-            </a:r>
-          </a:p>
-          <a:p>
-            <a:pPr lvl="2"/>
-            <a:r>
-              <a:rPr/>
-              <a:t>“… the probability that his investigation would lead to statistically significant results.”</a:t>
-            </a:r>
-          </a:p>
-          <a:p>
-            <a:pPr lvl="0" marL="0" indent="0">
-              <a:buNone/>
-            </a:pPr>
-            <a:r>
-              <a:rPr/>
-              <a:t>.footnote[MEDB 5510 - Week 12]</a:t>
-            </a:r>
-          </a:p>
-        </p:txBody>
-      </p:sp>
+              <a:t>Making</a:t>
+            </a:r>
+            <a:r>
+              <a:rPr/>
+              <a:t> </a:t>
+            </a:r>
+            <a:r>
+              <a:rPr/>
+              <a:t>Inferences</a:t>
+            </a:r>
+            <a:r>
+              <a:rPr/>
+              <a:t> </a:t>
+            </a:r>
+            <a:r>
+              <a:rPr/>
+              <a:t>-</a:t>
+            </a:r>
+            <a:r>
+              <a:rPr/>
+              <a:t> </a:t>
+            </a:r>
+            <a:r>
+              <a:rPr/>
+              <a:t>NHST</a:t>
+            </a:r>
+          </a:p>
+        </p:txBody>
+      </p:sp>
+      <p:pic>
+        <p:nvPicPr>
+          <p:cNvPr descr="../images/image-12-04.png" id="0" name="Picture 1"/>
+          <p:cNvPicPr>
+            <a:picLocks noGrp="1" noChangeAspect="1"/>
+          </p:cNvPicPr>
+          <p:nvPr/>
+        </p:nvPicPr>
+        <p:blipFill>
+          <a:blip r:embed="rId3"/>
+          <a:stretch>
+            <a:fillRect/>
+          </a:stretch>
+        </p:blipFill>
+        <p:spPr bwMode="auto">
+          <a:xfrm>
+            <a:off x="596900" y="1600200"/>
+            <a:ext cx="7962900" cy="4521200"/>
+          </a:xfrm>
+          <a:prstGeom prst="rect">
+            <a:avLst/>
+          </a:prstGeom>
+          <a:noFill/>
+          <a:ln w="9525">
+            <a:noFill/>
+            <a:headEnd/>
+            <a:tailEnd/>
+          </a:ln>
+        </p:spPr>
+      </p:pic>
     </p:spTree>
   </p:cSld>
 </p:sld>
@@ -4115,16 +5109,35 @@
             <a:pPr lvl="1"/>
             <a:r>
               <a:rPr/>
-              <a:t>( Portney &amp; Watkins, 2009)</a:t>
-            </a:r>
-          </a:p>
-          <a:p>
-            <a:pPr lvl="0" marL="0" indent="0">
-              <a:buNone/>
-            </a:pPr>
-            <a:r>
-              <a:rPr/>
-              <a:t>.footnote[Power of a study]</a:t>
+              <a:t>Probability of rejecting a false H 0</a:t>
+            </a:r>
+          </a:p>
+          <a:p>
+            <a:pPr lvl="2"/>
+            <a:r>
+              <a:rPr/>
+              <a:t>This is a GOOD thing!</a:t>
+            </a:r>
+          </a:p>
+          <a:p>
+            <a:pPr lvl="2"/>
+            <a:r>
+              <a:rPr/>
+              <a:t>Want to maximize this (within reasonable limits!)</a:t>
+            </a:r>
+          </a:p>
+          <a:p>
+            <a:pPr lvl="2"/>
+            <a:r>
+              <a:rPr/>
+              <a:t>What is power analysis</a:t>
+            </a:r>
+          </a:p>
+          <a:p>
+            <a:pPr lvl="2"/>
+            <a:r>
+              <a:rPr/>
+              <a:t>“… the probability that his investigation would lead to statistically significant results.”</a:t>
             </a:r>
           </a:p>
         </p:txBody>
@@ -4202,7 +5215,7 @@
             <a:pPr lvl="1"/>
             <a:r>
               <a:rPr/>
-              <a:t>Power of a study – probability of rejecting a false null hypothesis (assets/img/image2.emf)</a:t>
+              <a:t>( Portney &amp; Watkins, 2009)</a:t>
             </a:r>
           </a:p>
           <a:p>
@@ -4211,7 +5224,7 @@
             </a:pPr>
             <a:r>
               <a:rPr/>
-              <a:t>.footnote[MEDB 5510 - Week 12]</a:t>
+              <a:t>.footnote[Power of a study]</a:t>
             </a:r>
           </a:p>
         </p:txBody>
@@ -4271,73 +5284,36 @@
           </a:p>
         </p:txBody>
       </p:sp>
-      <p:sp>
-        <p:nvSpPr>
-          <p:cNvPr id="3" name="Content Placeholder 2"/>
-          <p:cNvSpPr>
-            <a:spLocks noGrp="1"/>
-          </p:cNvSpPr>
-          <p:nvPr>
-            <p:ph idx="1"/>
-          </p:nvPr>
-        </p:nvSpPr>
-        <p:spPr/>
-        <p:txBody>
-          <a:bodyPr/>
-          <a:lstStyle/>
-          <a:p>
-            <a:pPr lvl="1"/>
-            <a:r>
-              <a:rPr/>
-              <a:t>Statistical power analysis concepts (Cohen)</a:t>
-            </a:r>
-          </a:p>
-          <a:p>
-            <a:pPr lvl="2"/>
-            <a:r>
-              <a:rPr/>
-              <a:t>Significance criterion – alpha</a:t>
-            </a:r>
-          </a:p>
-          <a:p>
-            <a:pPr lvl="2"/>
-            <a:r>
-              <a:rPr/>
-              <a:t>Power – desired level</a:t>
-            </a:r>
-          </a:p>
-          <a:p>
-            <a:pPr lvl="2"/>
-            <a:r>
-              <a:rPr/>
-              <a:t>Sample size</a:t>
-            </a:r>
-          </a:p>
-          <a:p>
-            <a:pPr lvl="2"/>
-            <a:r>
-              <a:rPr/>
-              <a:t>Effect size</a:t>
-            </a:r>
-          </a:p>
-          <a:p>
-            <a:pPr lvl="1"/>
-            <a:r>
-              <a:rPr/>
-              <a:t>Power analysis method depends on research design</a:t>
-            </a:r>
-          </a:p>
-          <a:p>
-            <a:pPr lvl="0" marL="0" indent="0">
-              <a:buNone/>
-            </a:pPr>
-            <a:r>
-              <a:rPr/>
-              <a:t>.footnote[MEDB 5510 - Week 12]</a:t>
-            </a:r>
-          </a:p>
-        </p:txBody>
-      </p:sp>
+      <p:pic>
+        <p:nvPicPr>
+          <p:cNvPr descr="../images/image-12-05.png" id="0" name="Picture 1"/>
+          <p:cNvPicPr>
+            <a:picLocks noGrp="1" noChangeAspect="1"/>
+          </p:cNvPicPr>
+          <p:nvPr/>
+        </p:nvPicPr>
+        <p:blipFill>
+          <a:blip r:embed="rId2"/>
+          <a:stretch>
+            <a:fillRect/>
+          </a:stretch>
+        </p:blipFill>
+        <p:spPr bwMode="auto">
+          <a:xfrm>
+            <a:off x="1231900" y="1600200"/>
+            <a:ext cx="6680200" cy="4521200"/>
+          </a:xfrm>
+          <a:prstGeom prst="rect">
+            <a:avLst/>
+          </a:prstGeom>
+          <a:noFill/>
+          <a:ln w="9525">
+            <a:noFill/>
+            <a:headEnd/>
+            <a:tailEnd/>
+          </a:ln>
+        </p:spPr>
+      </p:pic>
     </p:spTree>
   </p:cSld>
 </p:sld>
@@ -4460,39 +5436,6 @@
       </p:grpSpPr>
       <p:sp>
         <p:nvSpPr>
-          <p:cNvPr id="2" name="Title 1"/>
-          <p:cNvSpPr>
-            <a:spLocks noGrp="1"/>
-          </p:cNvSpPr>
-          <p:nvPr>
-            <p:ph type="title"/>
-          </p:nvPr>
-        </p:nvSpPr>
-        <p:spPr/>
-        <p:txBody>
-          <a:bodyPr/>
-          <a:lstStyle/>
-          <a:p>
-            <a:pPr lvl="0" marL="0" indent="0">
-              <a:buNone/>
-            </a:pPr>
-            <a:r>
-              <a:rPr/>
-              <a:t>Power</a:t>
-            </a:r>
-            <a:r>
-              <a:rPr/>
-              <a:t> </a:t>
-            </a:r>
-            <a:r>
-              <a:rPr/>
-              <a:t>Analysis</a:t>
-            </a:r>
-          </a:p>
-        </p:txBody>
-      </p:sp>
-      <p:sp>
-        <p:nvSpPr>
           <p:cNvPr id="3" name="Content Placeholder 2"/>
           <p:cNvSpPr>
             <a:spLocks noGrp="1"/>
@@ -4509,44 +5452,7 @@
             <a:pPr lvl="1"/>
             <a:r>
               <a:rPr/>
-              <a:t>Performing a power analysis when planning a study</a:t>
-            </a:r>
-          </a:p>
-          <a:p>
-            <a:pPr lvl="2"/>
-            <a:r>
-              <a:rPr/>
-              <a:t>What is the study design?</a:t>
-            </a:r>
-          </a:p>
-          <a:p>
-            <a:pPr lvl="2"/>
-            <a:r>
-              <a:rPr/>
-              <a:t>What do you already know about the measure you are interested in?</a:t>
-            </a:r>
-          </a:p>
-          <a:p>
-            <a:pPr lvl="2"/>
-            <a:r>
-              <a:rPr/>
-              <a:t>What significance level to you want to use for hypothesis testing?</a:t>
-            </a:r>
-          </a:p>
-          <a:p>
-            <a:pPr lvl="2"/>
-            <a:r>
-              <a:rPr/>
-              <a:t>What level of power do you want to achieve?</a:t>
-            </a:r>
-          </a:p>
-          <a:p>
-            <a:pPr lvl="0" marL="0" indent="0">
-              <a:buNone/>
-            </a:pPr>
-            <a:r>
-              <a:rPr/>
-              <a:t>.footnote[MEDB 5510 - Week 12]</a:t>
+              <a:t>Power of a study – probability of rejecting a false null hypothesis</a:t>
             </a:r>
           </a:p>
         </p:txBody>
@@ -4624,16 +5530,42 @@
             <a:pPr lvl="1"/>
             <a:r>
               <a:rPr/>
-              <a:t>Determining power (Fig 16.1)</a:t>
-            </a:r>
-          </a:p>
-          <a:p>
-            <a:pPr lvl="0" marL="0" indent="0">
-              <a:buNone/>
-            </a:pPr>
-            <a:r>
-              <a:rPr/>
-              <a:t>.footnote[MEDB 5510 - Week 12]</a:t>
+              <a:t>Statistical power analysis concepts (Cohen)</a:t>
+            </a:r>
+          </a:p>
+          <a:p>
+            <a:pPr lvl="2"/>
+            <a:r>
+              <a:rPr/>
+              <a:t>Significance criterion – alpha</a:t>
+            </a:r>
+          </a:p>
+          <a:p>
+            <a:pPr lvl="2"/>
+            <a:r>
+              <a:rPr/>
+              <a:t>Power – desired level</a:t>
+            </a:r>
+          </a:p>
+          <a:p>
+            <a:pPr lvl="2"/>
+            <a:r>
+              <a:rPr/>
+              <a:t>Sample size</a:t>
+            </a:r>
+          </a:p>
+          <a:p>
+            <a:pPr lvl="2"/>
+            <a:r>
+              <a:rPr/>
+              <a:t>Effect size</a:t>
+            </a:r>
+          </a:p>
+          <a:p>
+            <a:pPr lvl="1"/>
+            <a:r>
+              <a:rPr/>
+              <a:t>Power analysis method depends on research design</a:t>
             </a:r>
           </a:p>
         </p:txBody>
@@ -4662,6 +5594,39 @@
       </p:grpSpPr>
       <p:sp>
         <p:nvSpPr>
+          <p:cNvPr id="2" name="Title 1"/>
+          <p:cNvSpPr>
+            <a:spLocks noGrp="1"/>
+          </p:cNvSpPr>
+          <p:nvPr>
+            <p:ph type="title"/>
+          </p:nvPr>
+        </p:nvSpPr>
+        <p:spPr/>
+        <p:txBody>
+          <a:bodyPr/>
+          <a:lstStyle/>
+          <a:p>
+            <a:pPr lvl="0" marL="0" indent="0">
+              <a:buNone/>
+            </a:pPr>
+            <a:r>
+              <a:rPr/>
+              <a:t>Power</a:t>
+            </a:r>
+            <a:r>
+              <a:rPr/>
+              <a:t> </a:t>
+            </a:r>
+            <a:r>
+              <a:rPr/>
+              <a:t>Analysis</a:t>
+            </a:r>
+          </a:p>
+        </p:txBody>
+      </p:sp>
+      <p:sp>
+        <p:nvSpPr>
           <p:cNvPr id="3" name="Content Placeholder 2"/>
           <p:cNvSpPr>
             <a:spLocks noGrp="1"/>
@@ -4675,21 +5640,38 @@
           <a:bodyPr/>
           <a:lstStyle/>
           <a:p>
-            <a:pPr lvl="0" marL="0" indent="0">
-              <a:buNone/>
-            </a:pPr>
-            <a:r>
-              <a:rPr/>
-              <a:t>(assets/img/image4.emf)</a:t>
-            </a:r>
-          </a:p>
-          <a:p>
-            <a:pPr lvl="0" marL="0" indent="0">
-              <a:buNone/>
-            </a:pPr>
-            <a:r>
-              <a:rPr/>
-              <a:t>.footnote[MEDB 5510 - Week 12]</a:t>
+            <a:pPr lvl="1"/>
+            <a:r>
+              <a:rPr/>
+              <a:t>Performing a power analysis when planning a study</a:t>
+            </a:r>
+          </a:p>
+          <a:p>
+            <a:pPr lvl="2"/>
+            <a:r>
+              <a:rPr/>
+              <a:t>What is the study design?</a:t>
+            </a:r>
+          </a:p>
+          <a:p>
+            <a:pPr lvl="2"/>
+            <a:r>
+              <a:rPr/>
+              <a:t>What do you already know about the measure you are interested in?</a:t>
+            </a:r>
+          </a:p>
+          <a:p>
+            <a:pPr lvl="2"/>
+            <a:r>
+              <a:rPr/>
+              <a:t>What significance level to you want to use for hypothesis testing?</a:t>
+            </a:r>
+          </a:p>
+          <a:p>
+            <a:pPr lvl="2"/>
+            <a:r>
+              <a:rPr/>
+              <a:t>What level of power do you want to achieve?</a:t>
             </a:r>
           </a:p>
         </p:txBody>
@@ -4749,80 +5731,36 @@
           </a:p>
         </p:txBody>
       </p:sp>
-      <p:sp>
-        <p:nvSpPr>
-          <p:cNvPr id="3" name="Content Placeholder 2"/>
-          <p:cNvSpPr>
-            <a:spLocks noGrp="1"/>
-          </p:cNvSpPr>
-          <p:nvPr>
-            <p:ph idx="1"/>
-          </p:nvPr>
-        </p:nvSpPr>
-        <p:spPr/>
-        <p:txBody>
-          <a:bodyPr/>
-          <a:lstStyle/>
-          <a:p>
-            <a:pPr lvl="1"/>
-            <a:r>
-              <a:rPr/>
-              <a:t>Increasing power –</a:t>
-            </a:r>
-          </a:p>
-          <a:p>
-            <a:pPr lvl="2"/>
-            <a:r>
-              <a:rPr/>
-              <a:t>Alpha level</a:t>
-            </a:r>
-          </a:p>
-          <a:p>
-            <a:pPr lvl="2"/>
-            <a:r>
-              <a:rPr/>
-              <a:t>Formulation of hypothesis</a:t>
-            </a:r>
-          </a:p>
-          <a:p>
-            <a:pPr lvl="2"/>
-            <a:r>
-              <a:rPr/>
-              <a:t>Decrease variability / increase precision</a:t>
-            </a:r>
-          </a:p>
-          <a:p>
-            <a:pPr lvl="3"/>
-            <a:r>
-              <a:rPr/>
-              <a:t>Groups</a:t>
-            </a:r>
-          </a:p>
-          <a:p>
-            <a:pPr lvl="3"/>
-            <a:r>
-              <a:rPr/>
-              <a:t>Outcome measure(s)</a:t>
-            </a:r>
-          </a:p>
-          <a:p>
-            <a:pPr lvl="2"/>
-            <a:r>
-              <a:rPr/>
-              <a:t>Increase sample size</a:t>
-            </a:r>
-          </a:p>
-          <a:p>
-            <a:pPr lvl="0" marL="0" indent="0">
-              <a:buNone/>
-            </a:pPr>
-            <a:r>
-              <a:rPr/>
-              <a:t>.footnote[MEDB 5510 - Week 12]</a:t>
-            </a:r>
-          </a:p>
-        </p:txBody>
-      </p:sp>
+      <p:pic>
+        <p:nvPicPr>
+          <p:cNvPr descr="../images/image-12-06.png" id="0" name="Picture 1"/>
+          <p:cNvPicPr>
+            <a:picLocks noGrp="1" noChangeAspect="1"/>
+          </p:cNvPicPr>
+          <p:nvPr/>
+        </p:nvPicPr>
+        <p:blipFill>
+          <a:blip r:embed="rId3"/>
+          <a:stretch>
+            <a:fillRect/>
+          </a:stretch>
+        </p:blipFill>
+        <p:spPr bwMode="auto">
+          <a:xfrm>
+            <a:off x="2578100" y="1600200"/>
+            <a:ext cx="3987800" cy="4521200"/>
+          </a:xfrm>
+          <a:prstGeom prst="rect">
+            <a:avLst/>
+          </a:prstGeom>
+          <a:noFill/>
+          <a:ln w="9525">
+            <a:noFill/>
+            <a:headEnd/>
+            <a:tailEnd/>
+          </a:ln>
+        </p:spPr>
+      </p:pic>
     </p:spTree>
   </p:cSld>
 </p:sld>
@@ -4893,21 +5831,52 @@
           <a:bodyPr/>
           <a:lstStyle/>
           <a:p>
-            <a:pPr lvl="0" marL="0" indent="0">
-              <a:buNone/>
-            </a:pPr>
-            <a:r>
-              <a:rPr/>
-              <a:t>(assets/img/image5.emf)</a:t>
-            </a:r>
-          </a:p>
-          <a:p>
-            <a:pPr lvl="0" marL="0" indent="0">
-              <a:buNone/>
-            </a:pPr>
-            <a:r>
-              <a:rPr/>
-              <a:t>.footnote[MEDB 5510 - Week 12]</a:t>
+            <a:pPr lvl="1"/>
+            <a:r>
+              <a:rPr/>
+              <a:t>Increasing power –</a:t>
+            </a:r>
+          </a:p>
+          <a:p>
+            <a:pPr lvl="2"/>
+            <a:r>
+              <a:rPr/>
+              <a:t>Alpha level</a:t>
+            </a:r>
+          </a:p>
+          <a:p>
+            <a:pPr lvl="2"/>
+            <a:r>
+              <a:rPr/>
+              <a:t>Formulation of hypothesis</a:t>
+            </a:r>
+          </a:p>
+          <a:p>
+            <a:pPr lvl="2"/>
+            <a:r>
+              <a:rPr/>
+              <a:t>Decrease variability / increase precision</a:t>
+            </a:r>
+          </a:p>
+          <a:p>
+            <a:pPr lvl="3"/>
+            <a:r>
+              <a:rPr/>
+              <a:t>Groups</a:t>
+            </a:r>
+          </a:p>
+          <a:p>
+            <a:pPr lvl="3"/>
+            <a:r>
+              <a:rPr/>
+              <a:t>Outcome measure(s)</a:t>
+            </a:r>
+          </a:p>
+          <a:p>
+            <a:pPr lvl="2"/>
+            <a:r>
+              <a:rPr/>
+              <a:t>Increase sample size</a:t>
             </a:r>
           </a:p>
         </p:txBody>
@@ -4967,40 +5936,36 @@
           </a:p>
         </p:txBody>
       </p:sp>
-      <p:sp>
-        <p:nvSpPr>
-          <p:cNvPr id="3" name="Content Placeholder 2"/>
-          <p:cNvSpPr>
-            <a:spLocks noGrp="1"/>
-          </p:cNvSpPr>
-          <p:nvPr>
-            <p:ph idx="1"/>
-          </p:nvPr>
-        </p:nvSpPr>
-        <p:spPr/>
-        <p:txBody>
-          <a:bodyPr/>
-          <a:lstStyle/>
-          <a:p>
-            <a:pPr lvl="0" marL="0" indent="0">
-              <a:buNone/>
-            </a:pPr>
-            <a:r>
-              <a:rPr/>
-              <a:t>(assets/img/image6.emf)</a:t>
-            </a:r>
-          </a:p>
-          <a:p>
-            <a:pPr lvl="0" marL="0" indent="0">
-              <a:buNone/>
-            </a:pPr>
-            <a:r>
-              <a:rPr/>
-              <a:t>.footnote[MEDB 5510 - Week 12]</a:t>
-            </a:r>
-          </a:p>
-        </p:txBody>
-      </p:sp>
+      <p:pic>
+        <p:nvPicPr>
+          <p:cNvPr descr="../images/image-12-07.png" id="0" name="Picture 1"/>
+          <p:cNvPicPr>
+            <a:picLocks noGrp="1" noChangeAspect="1"/>
+          </p:cNvPicPr>
+          <p:nvPr/>
+        </p:nvPicPr>
+        <p:blipFill>
+          <a:blip r:embed="rId2"/>
+          <a:stretch>
+            <a:fillRect/>
+          </a:stretch>
+        </p:blipFill>
+        <p:spPr bwMode="auto">
+          <a:xfrm>
+            <a:off x="1866900" y="1600200"/>
+            <a:ext cx="5397500" cy="4521200"/>
+          </a:xfrm>
+          <a:prstGeom prst="rect">
+            <a:avLst/>
+          </a:prstGeom>
+          <a:noFill/>
+          <a:ln w="9525">
+            <a:noFill/>
+            <a:headEnd/>
+            <a:tailEnd/>
+          </a:ln>
+        </p:spPr>
+      </p:pic>
     </p:spTree>
   </p:cSld>
 </p:sld>
@@ -5043,108 +6008,49 @@
             </a:pPr>
             <a:r>
               <a:rPr/>
-              <a:t>Problems</a:t>
-            </a:r>
-            <a:r>
-              <a:rPr/>
-              <a:t> </a:t>
-            </a:r>
-            <a:r>
-              <a:rPr/>
-              <a:t>with</a:t>
-            </a:r>
-            <a:r>
-              <a:rPr/>
-              <a:t> </a:t>
-            </a:r>
-            <a:r>
-              <a:rPr/>
-              <a:t>NHST</a:t>
-            </a:r>
-          </a:p>
-        </p:txBody>
-      </p:sp>
-      <p:sp>
-        <p:nvSpPr>
-          <p:cNvPr id="3" name="Content Placeholder 2"/>
-          <p:cNvSpPr>
-            <a:spLocks noGrp="1"/>
-          </p:cNvSpPr>
-          <p:nvPr>
-            <p:ph idx="1"/>
-          </p:nvPr>
-        </p:nvSpPr>
-        <p:spPr/>
-        <p:txBody>
-          <a:bodyPr/>
-          <a:lstStyle/>
-          <a:p>
-            <a:pPr lvl="1"/>
-            <a:r>
-              <a:rPr/>
-              <a:t>Knowledge based on outcome of single study</a:t>
-            </a:r>
-          </a:p>
-          <a:p>
-            <a:pPr lvl="1"/>
-            <a:r>
-              <a:rPr/>
-              <a:t>Interpretation of statistical significance</a:t>
-            </a:r>
-          </a:p>
-          <a:p>
-            <a:pPr lvl="1"/>
-            <a:r>
-              <a:rPr/>
-              <a:t>Complications</a:t>
-            </a:r>
-          </a:p>
-          <a:p>
-            <a:pPr lvl="2"/>
-            <a:r>
-              <a:rPr/>
-              <a:t>H 0 is rarely true – in a strict sense</a:t>
-            </a:r>
-          </a:p>
-          <a:p>
-            <a:pPr lvl="2"/>
-            <a:r>
-              <a:rPr/>
-              <a:t>Too large of a sample size – hard NOT to get statistical significance</a:t>
-            </a:r>
-          </a:p>
-          <a:p>
-            <a:pPr lvl="2"/>
-            <a:r>
-              <a:rPr/>
-              <a:t>Significance testing as a dichotomous decision</a:t>
-            </a:r>
-          </a:p>
-          <a:p>
-            <a:pPr lvl="2"/>
-            <a:r>
-              <a:rPr/>
-              <a:t>Interpretation of changes in the p value</a:t>
-            </a:r>
-          </a:p>
-          <a:p>
-            <a:pPr lvl="2"/>
-            <a:r>
-              <a:rPr/>
-              <a:t>Statistical significant versus clinical/ substative meaningfulness</a:t>
-            </a:r>
-          </a:p>
-          <a:p>
-            <a:pPr lvl="0" marL="0" indent="0">
-              <a:buNone/>
-            </a:pPr>
-            <a:r>
-              <a:rPr/>
-              <a:t>.footnote[MEDB 5510 - Week 12]</a:t>
-            </a:r>
-          </a:p>
-        </p:txBody>
-      </p:sp>
+              <a:t>Power</a:t>
+            </a:r>
+            <a:r>
+              <a:rPr/>
+              <a:t> </a:t>
+            </a:r>
+            <a:r>
+              <a:rPr/>
+              <a:t>Analysis</a:t>
+            </a:r>
+          </a:p>
+        </p:txBody>
+      </p:sp>
+      <p:pic>
+        <p:nvPicPr>
+          <p:cNvPr descr="../images/image-12-08.png" id="0" name="Picture 1"/>
+          <p:cNvPicPr>
+            <a:picLocks noGrp="1" noChangeAspect="1"/>
+          </p:cNvPicPr>
+          <p:nvPr/>
+        </p:nvPicPr>
+        <p:blipFill>
+          <a:blip r:embed="rId2"/>
+          <a:stretch>
+            <a:fillRect/>
+          </a:stretch>
+        </p:blipFill>
+        <p:spPr bwMode="auto">
+          <a:xfrm>
+            <a:off x="1727200" y="1600200"/>
+            <a:ext cx="5689600" cy="4521200"/>
+          </a:xfrm>
+          <a:prstGeom prst="rect">
+            <a:avLst/>
+          </a:prstGeom>
+          <a:noFill/>
+          <a:ln w="9525">
+            <a:noFill/>
+            <a:headEnd/>
+            <a:tailEnd/>
+          </a:ln>
+        </p:spPr>
+      </p:pic>
     </p:spTree>
   </p:cSld>
 </p:sld>
@@ -5187,7 +6093,15 @@
             </a:pPr>
             <a:r>
               <a:rPr/>
-              <a:t>Improving</a:t>
+              <a:t>Problems</a:t>
+            </a:r>
+            <a:r>
+              <a:rPr/>
+              <a:t> </a:t>
+            </a:r>
+            <a:r>
+              <a:rPr/>
+              <a:t>with</a:t>
             </a:r>
             <a:r>
               <a:rPr/>
@@ -5218,37 +6132,56 @@
             <a:pPr lvl="1"/>
             <a:r>
               <a:rPr/>
-              <a:t>Propose specific alternative hypotheses</a:t>
+              <a:t>Knowledge based on outcome of single study</a:t>
             </a:r>
           </a:p>
           <a:p>
             <a:pPr lvl="1"/>
             <a:r>
               <a:rPr/>
-              <a:t>Use a random sample if possible</a:t>
+              <a:t>Interpretation of statistical significance</a:t>
             </a:r>
           </a:p>
           <a:p>
             <a:pPr lvl="1"/>
             <a:r>
               <a:rPr/>
-              <a:t>Use an outcome variable that has good reliability and validity</a:t>
-            </a:r>
-          </a:p>
-          <a:p>
-            <a:pPr lvl="1"/>
-            <a:r>
-              <a:rPr/>
-              <a:t>Have a good idea of the level of difference that will be clinically important</a:t>
-            </a:r>
-          </a:p>
-          <a:p>
-            <a:pPr lvl="0" marL="0" indent="0">
-              <a:buNone/>
-            </a:pPr>
-            <a:r>
-              <a:rPr/>
-              <a:t>.footnote[MEDB 5510 - Week 12]</a:t>
+              <a:t>Complications</a:t>
+            </a:r>
+          </a:p>
+          <a:p>
+            <a:pPr lvl="2"/>
+            <a:r>
+              <a:rPr/>
+              <a:t>H 0 is rarely true – in a strict sense</a:t>
+            </a:r>
+          </a:p>
+          <a:p>
+            <a:pPr lvl="2"/>
+            <a:r>
+              <a:rPr/>
+              <a:t>Too large of a sample size – hard NOT to get statistical significance</a:t>
+            </a:r>
+          </a:p>
+          <a:p>
+            <a:pPr lvl="2"/>
+            <a:r>
+              <a:rPr/>
+              <a:t>Significance testing as a dichotomous decision</a:t>
+            </a:r>
+          </a:p>
+          <a:p>
+            <a:pPr lvl="2"/>
+            <a:r>
+              <a:rPr/>
+              <a:t>Interpretation of changes in the p value</a:t>
+            </a:r>
+          </a:p>
+          <a:p>
+            <a:pPr lvl="2"/>
+            <a:r>
+              <a:rPr/>
+              <a:t>Statistical significant versus clinical/ substative meaningfulness</a:t>
             </a:r>
           </a:p>
         </p:txBody>
@@ -5295,31 +6228,15 @@
             </a:pPr>
             <a:r>
               <a:rPr/>
-              <a:t>Making</a:t>
-            </a:r>
-            <a:r>
-              <a:rPr/>
-              <a:t> </a:t>
-            </a:r>
-            <a:r>
-              <a:rPr/>
-              <a:t>Inferences</a:t>
-            </a:r>
-            <a:r>
-              <a:rPr/>
-              <a:t> </a:t>
-            </a:r>
-            <a:r>
-              <a:rPr/>
-              <a:t>-</a:t>
-            </a:r>
-            <a:r>
-              <a:rPr/>
-              <a:t> </a:t>
-            </a:r>
-            <a:r>
-              <a:rPr/>
-              <a:t>EBA</a:t>
+              <a:t>Improving</a:t>
+            </a:r>
+            <a:r>
+              <a:rPr/>
+              <a:t> </a:t>
+            </a:r>
+            <a:r>
+              <a:rPr/>
+              <a:t>NHST</a:t>
             </a:r>
           </a:p>
         </p:txBody>
@@ -5342,65 +6259,28 @@
             <a:pPr lvl="1"/>
             <a:r>
               <a:rPr/>
-              <a:t>EBA – Evidence-Based Approach</a:t>
-            </a:r>
-          </a:p>
-          <a:p>
-            <a:pPr lvl="2"/>
-            <a:r>
-              <a:rPr/>
-              <a:t>Reliability of findings</a:t>
-            </a:r>
-          </a:p>
-          <a:p>
-            <a:pPr lvl="2"/>
-            <a:r>
-              <a:rPr/>
-              <a:t>Accumulation of evidence</a:t>
+              <a:t>Propose specific alternative hypotheses</a:t>
             </a:r>
           </a:p>
           <a:p>
             <a:pPr lvl="1"/>
             <a:r>
               <a:rPr/>
-              <a:t>Premise – “… a single study is not sufficient to use as evidence to substantiate a hypothesis or theory.”</a:t>
+              <a:t>Use a random sample if possible</a:t>
             </a:r>
           </a:p>
           <a:p>
             <a:pPr lvl="1"/>
             <a:r>
               <a:rPr/>
-              <a:t>Methods</a:t>
-            </a:r>
-          </a:p>
-          <a:p>
-            <a:pPr lvl="2"/>
-            <a:r>
-              <a:rPr/>
-              <a:t>Confidence intervals</a:t>
-            </a:r>
-          </a:p>
-          <a:p>
-            <a:pPr lvl="2"/>
-            <a:r>
-              <a:rPr/>
-              <a:t>Effect sizes</a:t>
-            </a:r>
-          </a:p>
-          <a:p>
-            <a:pPr lvl="2"/>
-            <a:r>
-              <a:rPr/>
-              <a:t>Meta-analysis</a:t>
-            </a:r>
-          </a:p>
-          <a:p>
-            <a:pPr lvl="0" marL="0" indent="0">
-              <a:buNone/>
-            </a:pPr>
-            <a:r>
-              <a:rPr/>
-              <a:t>.footnote[MEDB 5510 - Week 12]</a:t>
+              <a:t>Use an outcome variable that has good reliability and validity</a:t>
+            </a:r>
+          </a:p>
+          <a:p>
+            <a:pPr lvl="1"/>
+            <a:r>
+              <a:rPr/>
+              <a:t>Have a good idea of the level of difference that will be clinically important</a:t>
             </a:r>
           </a:p>
         </p:txBody>
@@ -5494,52 +6374,56 @@
             <a:pPr lvl="1"/>
             <a:r>
               <a:rPr/>
-              <a:t>Confidence Intervals (CI)</a:t>
+              <a:t>EBA – Evidence-Based Approach</a:t>
             </a:r>
           </a:p>
           <a:p>
             <a:pPr lvl="2"/>
             <a:r>
               <a:rPr/>
-              <a:t>Range of scores that should contain the true population score</a:t>
+              <a:t>Reliability of findings</a:t>
+            </a:r>
+          </a:p>
+          <a:p>
+            <a:pPr lvl="2"/>
+            <a:r>
+              <a:rPr/>
+              <a:t>Accumulation of evidence</a:t>
             </a:r>
           </a:p>
           <a:p>
             <a:pPr lvl="1"/>
             <a:r>
               <a:rPr/>
-              <a:t>CI &lt;U+F0E8&gt; An interval around the point estimate</a:t>
+              <a:t>Premise – “… a single study is not sufficient to use as evidence to substantiate a hypothesis or theory.”</a:t>
             </a:r>
           </a:p>
           <a:p>
             <a:pPr lvl="1"/>
             <a:r>
               <a:rPr/>
-              <a:t>CI &lt;U+F0E8&gt; “… range of the dependent variable scores that </a:t>
-            </a:r>
-            <a:r>
-              <a:rPr i="1"/>
-              <a:t>should contain the true population difference between means</a:t>
-            </a:r>
-            <a:r>
-              <a:rPr/>
-              <a:t> .”</a:t>
-            </a:r>
-          </a:p>
-          <a:p>
-            <a:pPr lvl="1"/>
-            <a:r>
-              <a:rPr/>
-              <a:t>CI computed using sample mean and standard deviation</a:t>
-            </a:r>
-          </a:p>
-          <a:p>
-            <a:pPr lvl="0" marL="0" indent="0">
-              <a:buNone/>
-            </a:pPr>
-            <a:r>
-              <a:rPr/>
-              <a:t>.footnote[MEDB 5510 - Week 12]</a:t>
+              <a:t>Methods</a:t>
+            </a:r>
+          </a:p>
+          <a:p>
+            <a:pPr lvl="2"/>
+            <a:r>
+              <a:rPr/>
+              <a:t>Confidence intervals</a:t>
+            </a:r>
+          </a:p>
+          <a:p>
+            <a:pPr lvl="2"/>
+            <a:r>
+              <a:rPr/>
+              <a:t>Effect sizes</a:t>
+            </a:r>
+          </a:p>
+          <a:p>
+            <a:pPr lvl="2"/>
+            <a:r>
+              <a:rPr/>
+              <a:t>Meta-analysis</a:t>
             </a:r>
           </a:p>
         </p:txBody>
@@ -5722,52 +6606,43 @@
             <a:pPr lvl="1"/>
             <a:r>
               <a:rPr/>
-              <a:t>Interpretation of CI –</a:t>
+              <a:t>Confidence Intervals (CI)</a:t>
             </a:r>
           </a:p>
           <a:p>
             <a:pPr lvl="2"/>
             <a:r>
               <a:rPr/>
-              <a:t>95% CI most common</a:t>
-            </a:r>
-          </a:p>
-          <a:p>
-            <a:pPr lvl="2"/>
-            <a:r>
-              <a:rPr/>
-              <a:t>95% CI – with infinite studies and computed CI, the true population difference would be found within 95% of the intervals</a:t>
-            </a:r>
-          </a:p>
-          <a:p>
-            <a:pPr lvl="2"/>
-            <a:r>
-              <a:rPr/>
-              <a:t>NOT – .95 probability that true population difference is within the CI computed from our single study</a:t>
-            </a:r>
-          </a:p>
-          <a:p>
-            <a:pPr lvl="2"/>
-            <a:r>
-              <a:rPr/>
-              <a:t>Option – 95% CI for a given study “… </a:t>
+              <a:t>Range of scores that should contain the true population score</a:t>
+            </a:r>
+          </a:p>
+          <a:p>
+            <a:pPr lvl="1"/>
+            <a:r>
+              <a:rPr/>
+              <a:t>CI &lt;U+F0E8&gt; An interval around the point estimate</a:t>
+            </a:r>
+          </a:p>
+          <a:p>
+            <a:pPr lvl="1"/>
+            <a:r>
+              <a:rPr/>
+              <a:t>CI &lt;U+F0E8&gt; “… range of the dependent variable scores that </a:t>
             </a:r>
             <a:r>
               <a:rPr i="1"/>
-              <a:t>estimates</a:t>
-            </a:r>
-            <a:r>
-              <a:rPr/>
-              <a:t> the population mean difference with 95% confidence.”</a:t>
-            </a:r>
-          </a:p>
-          <a:p>
-            <a:pPr lvl="0" marL="0" indent="0">
-              <a:buNone/>
-            </a:pPr>
-            <a:r>
-              <a:rPr/>
-              <a:t>.footnote[MEDB 5510 - Week 12]</a:t>
+              <a:t>should contain the true population difference between means</a:t>
+            </a:r>
+            <a:r>
+              <a:rPr/>
+              <a:t> .”</a:t>
+            </a:r>
+          </a:p>
+          <a:p>
+            <a:pPr lvl="1"/>
+            <a:r>
+              <a:rPr/>
+              <a:t>CI computed using sample mean and standard deviation</a:t>
             </a:r>
           </a:p>
         </p:txBody>
@@ -5861,30 +6736,43 @@
             <a:pPr lvl="1"/>
             <a:r>
               <a:rPr/>
-              <a:t>Why compute and report CI?</a:t>
+              <a:t>Interpretation of CI –</a:t>
             </a:r>
           </a:p>
           <a:p>
             <a:pPr lvl="2"/>
             <a:r>
               <a:rPr/>
-              <a:t>Part of philosophy to encourage replication</a:t>
+              <a:t>95% CI most common</a:t>
             </a:r>
           </a:p>
           <a:p>
             <a:pPr lvl="2"/>
             <a:r>
               <a:rPr/>
-              <a:t>Size of interval – “… how much of the estimate might be due to sampling error.”</a:t>
-            </a:r>
-          </a:p>
-          <a:p>
-            <a:pPr lvl="0" marL="0" indent="0">
-              <a:buNone/>
-            </a:pPr>
-            <a:r>
-              <a:rPr/>
-              <a:t>.footnote[MEDB 5510 - Week 12]</a:t>
+              <a:t>95% CI – with infinite studies and computed CI, the true population difference would be found within 95% of the intervals</a:t>
+            </a:r>
+          </a:p>
+          <a:p>
+            <a:pPr lvl="2"/>
+            <a:r>
+              <a:rPr/>
+              <a:t>NOT – .95 probability that true population difference is within the CI computed from our single study</a:t>
+            </a:r>
+          </a:p>
+          <a:p>
+            <a:pPr lvl="2"/>
+            <a:r>
+              <a:rPr/>
+              <a:t>Option – 95% CI for a given study “… </a:t>
+            </a:r>
+            <a:r>
+              <a:rPr i="1"/>
+              <a:t>estimates</a:t>
+            </a:r>
+            <a:r>
+              <a:rPr/>
+              <a:t> the population mean difference with 95% confidence.”</a:t>
             </a:r>
           </a:p>
         </p:txBody>
@@ -5978,16 +6866,21 @@
             <a:pPr lvl="1"/>
             <a:r>
               <a:rPr/>
-              <a:t>Interpreting 95% CI (Fig 17.1) (assets/img/image7.emf)</a:t>
-            </a:r>
-          </a:p>
-          <a:p>
-            <a:pPr lvl="0" marL="0" indent="0">
-              <a:buNone/>
-            </a:pPr>
-            <a:r>
-              <a:rPr/>
-              <a:t>.footnote[MEDB 5510 - Week 12]</a:t>
+              <a:t>Why compute and report CI?</a:t>
+            </a:r>
+          </a:p>
+          <a:p>
+            <a:pPr lvl="2"/>
+            <a:r>
+              <a:rPr/>
+              <a:t>Part of philosophy to encourage replication</a:t>
+            </a:r>
+          </a:p>
+          <a:p>
+            <a:pPr lvl="2"/>
+            <a:r>
+              <a:rPr/>
+              <a:t>Size of interval – “… how much of the estimate might be due to sampling error.”</a:t>
             </a:r>
           </a:p>
         </p:txBody>
@@ -6050,7 +6943,7 @@
             </a:r>
             <a:r>
               <a:rPr/>
-              <a:t>–</a:t>
+              <a:t>-</a:t>
             </a:r>
             <a:r>
               <a:rPr/>
@@ -6063,80 +6956,36 @@
           </a:p>
         </p:txBody>
       </p:sp>
-      <p:sp>
-        <p:nvSpPr>
-          <p:cNvPr id="3" name="Content Placeholder 2"/>
-          <p:cNvSpPr>
-            <a:spLocks noGrp="1"/>
-          </p:cNvSpPr>
-          <p:nvPr>
-            <p:ph idx="1"/>
-          </p:nvPr>
-        </p:nvSpPr>
-        <p:spPr/>
-        <p:txBody>
-          <a:bodyPr/>
-          <a:lstStyle/>
-          <a:p>
-            <a:pPr lvl="1"/>
-            <a:r>
-              <a:rPr/>
-              <a:t>Effect size –</a:t>
-            </a:r>
-          </a:p>
-          <a:p>
-            <a:pPr lvl="2"/>
-            <a:r>
-              <a:rPr/>
-              <a:t>Strength of relationship between IV &amp; DV</a:t>
-            </a:r>
-          </a:p>
-          <a:p>
-            <a:pPr lvl="2"/>
-            <a:r>
-              <a:rPr/>
-              <a:t>Magnitude of the difference between levels of the IV with respect to the DV</a:t>
-            </a:r>
-          </a:p>
-          <a:p>
-            <a:pPr lvl="2"/>
-            <a:r>
-              <a:rPr/>
-              <a:t>3 types of effect size measures</a:t>
-            </a:r>
-          </a:p>
-          <a:p>
-            <a:pPr lvl="3"/>
-            <a:r>
-              <a:rPr/>
-              <a:t>r family</a:t>
-            </a:r>
-          </a:p>
-          <a:p>
-            <a:pPr lvl="3"/>
-            <a:r>
-              <a:rPr/>
-              <a:t>d family</a:t>
-            </a:r>
-          </a:p>
-          <a:p>
-            <a:pPr lvl="3"/>
-            <a:r>
-              <a:rPr/>
-              <a:t>Measures of risk potency</a:t>
-            </a:r>
-          </a:p>
-          <a:p>
-            <a:pPr lvl="0" marL="0" indent="0">
-              <a:buNone/>
-            </a:pPr>
-            <a:r>
-              <a:rPr/>
-              <a:t>.footnote[MEDB 5510 - Week 12]</a:t>
-            </a:r>
-          </a:p>
-        </p:txBody>
-      </p:sp>
+      <p:pic>
+        <p:nvPicPr>
+          <p:cNvPr descr="../images/image-12-09.png" id="0" name="Picture 1"/>
+          <p:cNvPicPr>
+            <a:picLocks noGrp="1" noChangeAspect="1"/>
+          </p:cNvPicPr>
+          <p:nvPr/>
+        </p:nvPicPr>
+        <p:blipFill>
+          <a:blip r:embed="rId2"/>
+          <a:stretch>
+            <a:fillRect/>
+          </a:stretch>
+        </p:blipFill>
+        <p:spPr bwMode="auto">
+          <a:xfrm>
+            <a:off x="1536700" y="1600200"/>
+            <a:ext cx="6070600" cy="4521200"/>
+          </a:xfrm>
+          <a:prstGeom prst="rect">
+            <a:avLst/>
+          </a:prstGeom>
+          <a:noFill/>
+          <a:ln w="9525">
+            <a:noFill/>
+            <a:headEnd/>
+            <a:tailEnd/>
+          </a:ln>
+        </p:spPr>
+      </p:pic>
     </p:spTree>
   </p:cSld>
 </p:sld>
@@ -6161,55 +7010,6 @@
       </p:grpSpPr>
       <p:sp>
         <p:nvSpPr>
-          <p:cNvPr id="2" name="Title 1"/>
-          <p:cNvSpPr>
-            <a:spLocks noGrp="1"/>
-          </p:cNvSpPr>
-          <p:nvPr>
-            <p:ph type="title"/>
-          </p:nvPr>
-        </p:nvSpPr>
-        <p:spPr/>
-        <p:txBody>
-          <a:bodyPr/>
-          <a:lstStyle/>
-          <a:p>
-            <a:pPr lvl="0" marL="0" indent="0">
-              <a:buNone/>
-            </a:pPr>
-            <a:r>
-              <a:rPr/>
-              <a:t>Making</a:t>
-            </a:r>
-            <a:r>
-              <a:rPr/>
-              <a:t> </a:t>
-            </a:r>
-            <a:r>
-              <a:rPr/>
-              <a:t>Inferences</a:t>
-            </a:r>
-            <a:r>
-              <a:rPr/>
-              <a:t> </a:t>
-            </a:r>
-            <a:r>
-              <a:rPr/>
-              <a:t>–</a:t>
-            </a:r>
-            <a:r>
-              <a:rPr/>
-              <a:t> </a:t>
-            </a:r>
-            <a:r>
-              <a:rPr/>
-              <a:t>EBA</a:t>
-            </a:r>
-          </a:p>
-        </p:txBody>
-      </p:sp>
-      <p:sp>
-        <p:nvSpPr>
           <p:cNvPr id="3" name="Content Placeholder 2"/>
           <p:cNvSpPr>
             <a:spLocks noGrp="1"/>
@@ -6226,23 +7026,7 @@
             <a:pPr lvl="1"/>
             <a:r>
               <a:rPr/>
-              <a:t>Why is effect size at least as important as significance level?</a:t>
-            </a:r>
-          </a:p>
-          <a:p>
-            <a:pPr lvl="2"/>
-            <a:r>
-              <a:rPr/>
-              <a:t>Influence of sample size on results (assets/img/image8.png)</a:t>
-            </a:r>
-          </a:p>
-          <a:p>
-            <a:pPr lvl="0" marL="0" indent="0">
-              <a:buNone/>
-            </a:pPr>
-            <a:r>
-              <a:rPr/>
-              <a:t>.footnote[MEDB 5510 - Week 12]</a:t>
+              <a:t>Interpreting 95% CI (Fig 17.1)</a:t>
             </a:r>
           </a:p>
         </p:txBody>
@@ -6336,44 +7120,49 @@
             <a:pPr lvl="1"/>
             <a:r>
               <a:rPr/>
-              <a:t>Effect sizes –</a:t>
+              <a:t>Effect size –</a:t>
             </a:r>
           </a:p>
           <a:p>
             <a:pPr lvl="2"/>
             <a:r>
               <a:rPr/>
-              <a:t>Unstandardized – in the units of the raw DV</a:t>
+              <a:t>Strength of relationship between IV &amp; DV</a:t>
             </a:r>
           </a:p>
           <a:p>
             <a:pPr lvl="2"/>
             <a:r>
               <a:rPr/>
-              <a:t>Standardized –</a:t>
+              <a:t>Magnitude of the difference between levels of the IV with respect to the DV</a:t>
+            </a:r>
+          </a:p>
+          <a:p>
+            <a:pPr lvl="2"/>
+            <a:r>
+              <a:rPr/>
+              <a:t>3 types of effect size measures</a:t>
             </a:r>
           </a:p>
           <a:p>
             <a:pPr lvl="3"/>
             <a:r>
               <a:rPr/>
-              <a:t>Standardized using pooled standard deviation of the groups</a:t>
+              <a:t>r family</a:t>
             </a:r>
           </a:p>
           <a:p>
             <a:pPr lvl="3"/>
             <a:r>
               <a:rPr/>
-              <a:t>Measure that can be used to compare to other studies with different DVs</a:t>
-            </a:r>
-          </a:p>
-          <a:p>
-            <a:pPr lvl="0" marL="0" indent="0">
-              <a:buNone/>
-            </a:pPr>
-            <a:r>
-              <a:rPr/>
-              <a:t>.footnote[MEDB 5510 - Week 12]</a:t>
+              <a:t>d family</a:t>
+            </a:r>
+          </a:p>
+          <a:p>
+            <a:pPr lvl="3"/>
+            <a:r>
+              <a:rPr/>
+              <a:t>Measures of risk potency</a:t>
             </a:r>
           </a:p>
         </p:txBody>
@@ -6449,80 +7238,36 @@
           </a:p>
         </p:txBody>
       </p:sp>
-      <p:sp>
-        <p:nvSpPr>
-          <p:cNvPr id="3" name="Content Placeholder 2"/>
-          <p:cNvSpPr>
-            <a:spLocks noGrp="1"/>
-          </p:cNvSpPr>
-          <p:nvPr>
-            <p:ph idx="1"/>
-          </p:nvPr>
-        </p:nvSpPr>
-        <p:spPr/>
-        <p:txBody>
-          <a:bodyPr/>
-          <a:lstStyle/>
-          <a:p>
-            <a:pPr lvl="1"/>
-            <a:r>
-              <a:rPr/>
-              <a:t>Types of effect sizes –</a:t>
-            </a:r>
-          </a:p>
-          <a:p>
-            <a:pPr lvl="2"/>
-            <a:r>
-              <a:rPr/>
-              <a:t>R family – strength of association</a:t>
-            </a:r>
-          </a:p>
-          <a:p>
-            <a:pPr lvl="2"/>
-            <a:r>
-              <a:rPr/>
-              <a:t>D family – magnitude of differences</a:t>
-            </a:r>
-          </a:p>
-          <a:p>
-            <a:pPr lvl="2"/>
-            <a:r>
-              <a:rPr/>
-              <a:t>Measures of risk potency – when both IV and DV are dichotomous</a:t>
-            </a:r>
-          </a:p>
-          <a:p>
-            <a:pPr lvl="3"/>
-            <a:r>
-              <a:rPr/>
-              <a:t>Odds ratio</a:t>
-            </a:r>
-          </a:p>
-          <a:p>
-            <a:pPr lvl="3"/>
-            <a:r>
-              <a:rPr/>
-              <a:t>Relative risk</a:t>
-            </a:r>
-          </a:p>
-          <a:p>
-            <a:pPr lvl="3"/>
-            <a:r>
-              <a:rPr/>
-              <a:t>Risk difference</a:t>
-            </a:r>
-          </a:p>
-          <a:p>
-            <a:pPr lvl="0" marL="0" indent="0">
-              <a:buNone/>
-            </a:pPr>
-            <a:r>
-              <a:rPr/>
-              <a:t>.footnote[MEDB 5510 - Week 12]</a:t>
-            </a:r>
-          </a:p>
-        </p:txBody>
-      </p:sp>
+      <p:pic>
+        <p:nvPicPr>
+          <p:cNvPr descr="../images/image-12-10.png" id="0" name="Picture 1"/>
+          <p:cNvPicPr>
+            <a:picLocks noGrp="1" noChangeAspect="1"/>
+          </p:cNvPicPr>
+          <p:nvPr/>
+        </p:nvPicPr>
+        <p:blipFill>
+          <a:blip r:embed="rId2"/>
+          <a:stretch>
+            <a:fillRect/>
+          </a:stretch>
+        </p:blipFill>
+        <p:spPr bwMode="auto">
+          <a:xfrm>
+            <a:off x="1752600" y="1600200"/>
+            <a:ext cx="5638800" cy="4521200"/>
+          </a:xfrm>
+          <a:prstGeom prst="rect">
+            <a:avLst/>
+          </a:prstGeom>
+          <a:noFill/>
+          <a:ln w="9525">
+            <a:noFill/>
+            <a:headEnd/>
+            <a:tailEnd/>
+          </a:ln>
+        </p:spPr>
+      </p:pic>
     </p:spTree>
   </p:cSld>
 </p:sld>
@@ -6547,55 +7292,6 @@
       </p:grpSpPr>
       <p:sp>
         <p:nvSpPr>
-          <p:cNvPr id="2" name="Title 1"/>
-          <p:cNvSpPr>
-            <a:spLocks noGrp="1"/>
-          </p:cNvSpPr>
-          <p:nvPr>
-            <p:ph type="title"/>
-          </p:nvPr>
-        </p:nvSpPr>
-        <p:spPr/>
-        <p:txBody>
-          <a:bodyPr/>
-          <a:lstStyle/>
-          <a:p>
-            <a:pPr lvl="0" marL="0" indent="0">
-              <a:buNone/>
-            </a:pPr>
-            <a:r>
-              <a:rPr/>
-              <a:t>Making</a:t>
-            </a:r>
-            <a:r>
-              <a:rPr/>
-              <a:t> </a:t>
-            </a:r>
-            <a:r>
-              <a:rPr/>
-              <a:t>Inferences</a:t>
-            </a:r>
-            <a:r>
-              <a:rPr/>
-              <a:t> </a:t>
-            </a:r>
-            <a:r>
-              <a:rPr/>
-              <a:t>–</a:t>
-            </a:r>
-            <a:r>
-              <a:rPr/>
-              <a:t> </a:t>
-            </a:r>
-            <a:r>
-              <a:rPr/>
-              <a:t>EBA</a:t>
-            </a:r>
-          </a:p>
-        </p:txBody>
-      </p:sp>
-      <p:sp>
-        <p:nvSpPr>
           <p:cNvPr id="3" name="Content Placeholder 2"/>
           <p:cNvSpPr>
             <a:spLocks noGrp="1"/>
@@ -6612,86 +7308,14 @@
             <a:pPr lvl="1"/>
             <a:r>
               <a:rPr/>
-              <a:t>R family of effect sizes – association</a:t>
+              <a:t>Why is effect size at least as important as significance level?</a:t>
             </a:r>
           </a:p>
           <a:p>
             <a:pPr lvl="2"/>
             <a:r>
               <a:rPr/>
-              <a:t>r 2 vs r</a:t>
-            </a:r>
-          </a:p>
-          <a:p>
-            <a:pPr lvl="1"/>
-            <a:r>
-              <a:rPr/>
-              <a:t>Cohen’s guidelines</a:t>
-            </a:r>
-          </a:p>
-          <a:p>
-            <a:pPr lvl="2"/>
-            <a:r>
-              <a:rPr/>
-              <a:t>Weak approx +/- .1</a:t>
-            </a:r>
-          </a:p>
-          <a:p>
-            <a:pPr lvl="2"/>
-            <a:r>
-              <a:rPr/>
-              <a:t>Medium approx +/- .3</a:t>
-            </a:r>
-          </a:p>
-          <a:p>
-            <a:pPr lvl="2"/>
-            <a:r>
-              <a:rPr/>
-              <a:t>Strong approx +/- .5</a:t>
-            </a:r>
-          </a:p>
-          <a:p>
-            <a:pPr lvl="1"/>
-            <a:r>
-              <a:rPr/>
-              <a:t>Authors labeling</a:t>
-            </a:r>
-          </a:p>
-          <a:p>
-            <a:pPr lvl="2"/>
-            <a:r>
-              <a:rPr/>
-              <a:t>Less than typical</a:t>
-            </a:r>
-          </a:p>
-          <a:p>
-            <a:pPr lvl="2"/>
-            <a:r>
-              <a:rPr/>
-              <a:t>Typical</a:t>
-            </a:r>
-          </a:p>
-          <a:p>
-            <a:pPr lvl="2"/>
-            <a:r>
-              <a:rPr/>
-              <a:t>Greater than typical</a:t>
-            </a:r>
-          </a:p>
-          <a:p>
-            <a:pPr lvl="1"/>
-            <a:r>
-              <a:rPr/>
-              <a:t>Also rho, phi, eta, R</a:t>
-            </a:r>
-          </a:p>
-          <a:p>
-            <a:pPr lvl="0" marL="0" indent="0">
-              <a:buNone/>
-            </a:pPr>
-            <a:r>
-              <a:rPr/>
-              <a:t>.footnote[MEDB 5510 - Week 12]</a:t>
+              <a:t>Influence of sample size on results</a:t>
             </a:r>
           </a:p>
         </p:txBody>
@@ -6785,58 +7409,35 @@
             <a:pPr lvl="1"/>
             <a:r>
               <a:rPr/>
-              <a:t>D family of effect sizes – differences</a:t>
-            </a:r>
-          </a:p>
-          <a:p>
-            <a:pPr lvl="1"/>
-            <a:r>
-              <a:rPr/>
-              <a:t>d &lt;U+F0E8&gt; Two group comparison</a:t>
+              <a:t>Effect sizes –</a:t>
             </a:r>
           </a:p>
           <a:p>
             <a:pPr lvl="2"/>
             <a:r>
               <a:rPr/>
-              <a:t>Treatment group mean – Comparison group mean</a:t>
+              <a:t>Unstandardized – in the units of the raw DV</a:t>
             </a:r>
           </a:p>
           <a:p>
             <a:pPr lvl="2"/>
             <a:r>
               <a:rPr/>
-              <a:t>Divided by pooled standard deviations from both samples</a:t>
-            </a:r>
-          </a:p>
-          <a:p>
-            <a:pPr lvl="1"/>
-            <a:r>
-              <a:rPr/>
-              <a:t>eta 2 &lt;U+F0E8&gt; Multiple group comparison</a:t>
-            </a:r>
-          </a:p>
-          <a:p>
-            <a:pPr lvl="2"/>
-            <a:r>
-              <a:rPr/>
-              <a:t>Statistics packages will compute</a:t>
-            </a:r>
-          </a:p>
-          <a:p>
-            <a:pPr lvl="2"/>
-            <a:r>
-              <a:rPr/>
-              <a:t>Interpret like r 2 (amount of variance in DV accounted for by IV)</a:t>
-            </a:r>
-          </a:p>
-          <a:p>
-            <a:pPr lvl="0" marL="0" indent="0">
-              <a:buNone/>
-            </a:pPr>
-            <a:r>
-              <a:rPr/>
-              <a:t>.footnote[MEDB 5510 - Week 12]</a:t>
+              <a:t>Standardized –</a:t>
+            </a:r>
+          </a:p>
+          <a:p>
+            <a:pPr lvl="3"/>
+            <a:r>
+              <a:rPr/>
+              <a:t>Standardized using pooled standard deviation of the groups</a:t>
+            </a:r>
+          </a:p>
+          <a:p>
+            <a:pPr lvl="3"/>
+            <a:r>
+              <a:rPr/>
+              <a:t>Measure that can be used to compare to other studies with different DVs</a:t>
             </a:r>
           </a:p>
         </p:txBody>
@@ -6930,51 +7531,49 @@
             <a:pPr lvl="1"/>
             <a:r>
               <a:rPr/>
-              <a:t>Risk family of effect sizes – When both IV and DV are dichotomous</a:t>
+              <a:t>Types of effect sizes –</a:t>
             </a:r>
           </a:p>
           <a:p>
             <a:pPr lvl="2"/>
             <a:r>
               <a:rPr/>
-              <a:t>Phi – measure of association / correlation</a:t>
-            </a:r>
-          </a:p>
-          <a:p>
-            <a:pPr lvl="1"/>
-            <a:r>
-              <a:rPr/>
-              <a:t>Clinical / medical research – the risk of clinical outcomes</a:t>
+              <a:t>R family – strength of association</a:t>
             </a:r>
           </a:p>
           <a:p>
             <a:pPr lvl="2"/>
             <a:r>
               <a:rPr/>
-              <a:t>Relative risk – ratio that compares the risk of an outcome between groups</a:t>
+              <a:t>D family – magnitude of differences</a:t>
             </a:r>
           </a:p>
           <a:p>
             <a:pPr lvl="2"/>
             <a:r>
               <a:rPr/>
-              <a:t>Risk difference – percentage difference that compares risk of an outcome between groups</a:t>
-            </a:r>
-          </a:p>
-          <a:p>
-            <a:pPr lvl="2"/>
-            <a:r>
-              <a:rPr/>
-              <a:t>Odds ratio – Odds of outcome in control group compared to odds in treatment group</a:t>
-            </a:r>
-          </a:p>
-          <a:p>
-            <a:pPr lvl="0" marL="0" indent="0">
-              <a:buNone/>
-            </a:pPr>
-            <a:r>
-              <a:rPr/>
-              <a:t>.footnote[MEDB 5510 - Week 12]</a:t>
+              <a:t>Measures of risk potency – when both IV and DV are dichotomous</a:t>
+            </a:r>
+          </a:p>
+          <a:p>
+            <a:pPr lvl="3"/>
+            <a:r>
+              <a:rPr/>
+              <a:t>Odds ratio</a:t>
+            </a:r>
+          </a:p>
+          <a:p>
+            <a:pPr lvl="3"/>
+            <a:r>
+              <a:rPr/>
+              <a:t>Relative risk</a:t>
+            </a:r>
+          </a:p>
+          <a:p>
+            <a:pPr lvl="3"/>
+            <a:r>
+              <a:rPr/>
+              <a:t>Risk difference</a:t>
             </a:r>
           </a:p>
         </p:txBody>
@@ -7134,15 +7733,6 @@
               <a:t>Non-directional</a:t>
             </a:r>
           </a:p>
-          <a:p>
-            <a:pPr lvl="0" marL="0" indent="0">
-              <a:buNone/>
-            </a:pPr>
-            <a:r>
-              <a:rPr/>
-              <a:t>.footnote[2]</a:t>
-            </a:r>
-          </a:p>
         </p:txBody>
       </p:sp>
     </p:spTree>
@@ -7234,16 +7824,77 @@
             <a:pPr lvl="1"/>
             <a:r>
               <a:rPr/>
-              <a:t>Interpretation of effect sizes – (assets/img/image9.emf)</a:t>
-            </a:r>
-          </a:p>
-          <a:p>
-            <a:pPr lvl="0" marL="0" indent="0">
-              <a:buNone/>
-            </a:pPr>
-            <a:r>
-              <a:rPr/>
-              <a:t>.footnote[MEDB 5510 - Week 12]</a:t>
+              <a:t>R family of effect sizes – association</a:t>
+            </a:r>
+          </a:p>
+          <a:p>
+            <a:pPr lvl="2"/>
+            <a:r>
+              <a:rPr/>
+              <a:t>r 2 vs r</a:t>
+            </a:r>
+          </a:p>
+          <a:p>
+            <a:pPr lvl="1"/>
+            <a:r>
+              <a:rPr/>
+              <a:t>Cohen’s guidelines</a:t>
+            </a:r>
+          </a:p>
+          <a:p>
+            <a:pPr lvl="2"/>
+            <a:r>
+              <a:rPr/>
+              <a:t>Weak approx +/- .1</a:t>
+            </a:r>
+          </a:p>
+          <a:p>
+            <a:pPr lvl="2"/>
+            <a:r>
+              <a:rPr/>
+              <a:t>Medium approx +/- .3</a:t>
+            </a:r>
+          </a:p>
+          <a:p>
+            <a:pPr lvl="2"/>
+            <a:r>
+              <a:rPr/>
+              <a:t>Strong approx +/- .5</a:t>
+            </a:r>
+          </a:p>
+          <a:p>
+            <a:pPr lvl="1"/>
+            <a:r>
+              <a:rPr/>
+              <a:t>Authors labeling</a:t>
+            </a:r>
+          </a:p>
+          <a:p>
+            <a:pPr lvl="2"/>
+            <a:r>
+              <a:rPr/>
+              <a:t>Less than typical</a:t>
+            </a:r>
+          </a:p>
+          <a:p>
+            <a:pPr lvl="2"/>
+            <a:r>
+              <a:rPr/>
+              <a:t>Typical</a:t>
+            </a:r>
+          </a:p>
+          <a:p>
+            <a:pPr lvl="2"/>
+            <a:r>
+              <a:rPr/>
+              <a:t>Greater than typical</a:t>
+            </a:r>
+          </a:p>
+          <a:p>
+            <a:pPr lvl="1"/>
+            <a:r>
+              <a:rPr/>
+              <a:t>Also rho, phi, eta, R</a:t>
             </a:r>
           </a:p>
         </p:txBody>
@@ -7337,65 +7988,49 @@
             <a:pPr lvl="1"/>
             <a:r>
               <a:rPr/>
-              <a:t>Value of effect sizes –</a:t>
+              <a:t>D family of effect sizes – differences</a:t>
+            </a:r>
+          </a:p>
+          <a:p>
+            <a:pPr lvl="1"/>
+            <a:r>
+              <a:rPr/>
+              <a:t>d &lt;U+F0E8&gt; Two group comparison</a:t>
             </a:r>
           </a:p>
           <a:p>
             <a:pPr lvl="2"/>
             <a:r>
               <a:rPr/>
-              <a:t>Indicates the strength of a relationship or a difference</a:t>
+              <a:t>Treatment group mean – Comparison group mean</a:t>
             </a:r>
           </a:p>
           <a:p>
             <a:pPr lvl="2"/>
             <a:r>
               <a:rPr/>
-              <a:t>Allows you</a:t>
-            </a:r>
-          </a:p>
-          <a:p>
-            <a:pPr lvl="3"/>
-            <a:r>
-              <a:rPr/>
-              <a:t>Combine results from studies with dissimilar outcome measures</a:t>
-            </a:r>
-          </a:p>
-          <a:p>
-            <a:pPr lvl="3"/>
-            <a:r>
-              <a:rPr/>
-              <a:t>Use findings of previous study to plan study with different outcome measure</a:t>
+              <a:t>Divided by pooled standard deviations from both samples</a:t>
             </a:r>
           </a:p>
           <a:p>
             <a:pPr lvl="1"/>
             <a:r>
               <a:rPr/>
-              <a:t>Online source to perform power analysis –</a:t>
+              <a:t>eta 2 &lt;U+F0E8&gt; Multiple group comparison</a:t>
             </a:r>
           </a:p>
           <a:p>
             <a:pPr lvl="2"/>
             <a:r>
               <a:rPr/>
-              <a:t>Sample Power (part of SPSS)</a:t>
+              <a:t>Statistics packages will compute</a:t>
             </a:r>
           </a:p>
           <a:p>
             <a:pPr lvl="2"/>
             <a:r>
               <a:rPr/>
-              <a:t>Russell Lenth – U of Iowa</a:t>
-            </a:r>
-          </a:p>
-          <a:p>
-            <a:pPr lvl="0" marL="0" indent="0">
-              <a:buNone/>
-            </a:pPr>
-            <a:r>
-              <a:rPr/>
-              <a:t>.footnote[MEDB 5510 - Week 12]</a:t>
+              <a:t>Interpret like r 2 (amount of variance in DV accounted for by IV)</a:t>
             </a:r>
           </a:p>
         </p:txBody>
@@ -7489,58 +8124,42 @@
             <a:pPr lvl="1"/>
             <a:r>
               <a:rPr/>
-              <a:t>Meta-Analysis</a:t>
+              <a:t>Risk family of effect sizes – When both IV and DV are dichotomous</a:t>
             </a:r>
           </a:p>
           <a:p>
             <a:pPr lvl="2"/>
             <a:r>
               <a:rPr/>
-              <a:t>Research synthesis of multiple studies</a:t>
+              <a:t>Phi – measure of association / correlation</a:t>
+            </a:r>
+          </a:p>
+          <a:p>
+            <a:pPr lvl="1"/>
+            <a:r>
+              <a:rPr/>
+              <a:t>Clinical / medical research – the risk of clinical outcomes</a:t>
             </a:r>
           </a:p>
           <a:p>
             <a:pPr lvl="2"/>
             <a:r>
               <a:rPr/>
-              <a:t>Uses effect size value from each study</a:t>
+              <a:t>Relative risk – ratio that compares the risk of an outcome between groups</a:t>
             </a:r>
           </a:p>
           <a:p>
             <a:pPr lvl="2"/>
             <a:r>
               <a:rPr/>
-              <a:t>Advantage over systematic review – compute a summary statistic that represents overall estimate</a:t>
+              <a:t>Risk difference – percentage difference that compares risk of an outcome between groups</a:t>
             </a:r>
           </a:p>
           <a:p>
             <a:pPr lvl="2"/>
             <a:r>
               <a:rPr/>
-              <a:t>Provides evidence of reliability of research finding</a:t>
-            </a:r>
-          </a:p>
-          <a:p>
-            <a:pPr lvl="2"/>
-            <a:r>
-              <a:rPr/>
-              <a:t>Include findings from studies that failed to find statistical significance</a:t>
-            </a:r>
-          </a:p>
-          <a:p>
-            <a:pPr lvl="2"/>
-            <a:r>
-              <a:rPr/>
-              <a:t>Increased external validity</a:t>
-            </a:r>
-          </a:p>
-          <a:p>
-            <a:pPr lvl="0" marL="0" indent="0">
-              <a:buNone/>
-            </a:pPr>
-            <a:r>
-              <a:rPr/>
-              <a:t>.footnote[MEDB 5510 - Week 12]</a:t>
+              <a:t>Odds ratio – Odds of outcome in control group compared to odds in treatment group</a:t>
             </a:r>
           </a:p>
         </p:txBody>
@@ -7616,38 +8235,36 @@
           </a:p>
         </p:txBody>
       </p:sp>
-      <p:sp>
-        <p:nvSpPr>
-          <p:cNvPr id="3" name="Content Placeholder 2"/>
-          <p:cNvSpPr>
-            <a:spLocks noGrp="1"/>
-          </p:cNvSpPr>
-          <p:nvPr>
-            <p:ph idx="1"/>
-          </p:nvPr>
-        </p:nvSpPr>
-        <p:spPr/>
-        <p:txBody>
-          <a:bodyPr/>
-          <a:lstStyle/>
-          <a:p>
-            <a:pPr lvl="1"/>
-            <a:r>
-              <a:rPr/>
-              <a:t>Simoni et al., 2006 (assets/img/image10.emf)</a:t>
-            </a:r>
-          </a:p>
-          <a:p>
-            <a:pPr lvl="0" marL="0" indent="0">
-              <a:buNone/>
-            </a:pPr>
-            <a:r>
-              <a:rPr/>
-              <a:t>.footnote[MEDB 5510 - Week 12]</a:t>
-            </a:r>
-          </a:p>
-        </p:txBody>
-      </p:sp>
+      <p:pic>
+        <p:nvPicPr>
+          <p:cNvPr descr="../images/image-12-11.png" id="0" name="Picture 1"/>
+          <p:cNvPicPr>
+            <a:picLocks noGrp="1" noChangeAspect="1"/>
+          </p:cNvPicPr>
+          <p:nvPr/>
+        </p:nvPicPr>
+        <p:blipFill>
+          <a:blip r:embed="rId3"/>
+          <a:stretch>
+            <a:fillRect/>
+          </a:stretch>
+        </p:blipFill>
+        <p:spPr bwMode="auto">
+          <a:xfrm>
+            <a:off x="1473200" y="1600200"/>
+            <a:ext cx="6184900" cy="4521200"/>
+          </a:xfrm>
+          <a:prstGeom prst="rect">
+            <a:avLst/>
+          </a:prstGeom>
+          <a:noFill/>
+          <a:ln w="9525">
+            <a:noFill/>
+            <a:headEnd/>
+            <a:tailEnd/>
+          </a:ln>
+        </p:spPr>
+      </p:pic>
     </p:spTree>
   </p:cSld>
 </p:sld>
@@ -7737,16 +8354,56 @@
             <a:pPr lvl="1"/>
             <a:r>
               <a:rPr/>
-              <a:t>Simoni et al., 2006 (assets/img/image11.emf)</a:t>
-            </a:r>
-          </a:p>
-          <a:p>
-            <a:pPr lvl="0" marL="0" indent="0">
-              <a:buNone/>
-            </a:pPr>
-            <a:r>
-              <a:rPr/>
-              <a:t>.footnote[MEDB 5510 - Week 12]</a:t>
+              <a:t>Value of effect sizes –</a:t>
+            </a:r>
+          </a:p>
+          <a:p>
+            <a:pPr lvl="2"/>
+            <a:r>
+              <a:rPr/>
+              <a:t>Indicates the strength of a relationship or a difference</a:t>
+            </a:r>
+          </a:p>
+          <a:p>
+            <a:pPr lvl="2"/>
+            <a:r>
+              <a:rPr/>
+              <a:t>Allows you</a:t>
+            </a:r>
+          </a:p>
+          <a:p>
+            <a:pPr lvl="3"/>
+            <a:r>
+              <a:rPr/>
+              <a:t>Combine results from studies with dissimilar outcome measures</a:t>
+            </a:r>
+          </a:p>
+          <a:p>
+            <a:pPr lvl="3"/>
+            <a:r>
+              <a:rPr/>
+              <a:t>Use findings of previous study to plan study with different outcome measure</a:t>
+            </a:r>
+          </a:p>
+          <a:p>
+            <a:pPr lvl="1"/>
+            <a:r>
+              <a:rPr/>
+              <a:t>Online source to perform power analysis –</a:t>
+            </a:r>
+          </a:p>
+          <a:p>
+            <a:pPr lvl="2"/>
+            <a:r>
+              <a:rPr/>
+              <a:t>Sample Power (part of SPSS)</a:t>
+            </a:r>
+          </a:p>
+          <a:p>
+            <a:pPr lvl="2"/>
+            <a:r>
+              <a:rPr/>
+              <a:t>Russell Lenth – U of Iowa</a:t>
             </a:r>
           </a:p>
         </p:txBody>
@@ -7793,15 +8450,31 @@
             </a:pPr>
             <a:r>
               <a:rPr/>
-              <a:t>Assignment</a:t>
-            </a:r>
-            <a:r>
-              <a:rPr/>
-              <a:t> </a:t>
-            </a:r>
-            <a:r>
-              <a:rPr/>
-              <a:t>#9</a:t>
+              <a:t>Making</a:t>
+            </a:r>
+            <a:r>
+              <a:rPr/>
+              <a:t> </a:t>
+            </a:r>
+            <a:r>
+              <a:rPr/>
+              <a:t>Inferences</a:t>
+            </a:r>
+            <a:r>
+              <a:rPr/>
+              <a:t> </a:t>
+            </a:r>
+            <a:r>
+              <a:rPr/>
+              <a:t>–</a:t>
+            </a:r>
+            <a:r>
+              <a:rPr/>
+              <a:t> </a:t>
+            </a:r>
+            <a:r>
+              <a:rPr/>
+              <a:t>EBA</a:t>
             </a:r>
           </a:p>
         </p:txBody>
@@ -7824,37 +8497,49 @@
             <a:pPr lvl="1"/>
             <a:r>
               <a:rPr/>
-              <a:t>Complete an “outline” of your written proposal. Refer to the “Research Proposal Structure Overview/Structure” document in the Course Content folder on Blackboard. This “outline” should reflect a substantial amount of detail including sub-headings in the literature review section and methods section. Sections that reflect earlier assignments should contain near-complete drafts of the information that is relevant to your proposed project.</a:t>
-            </a:r>
-          </a:p>
-          <a:p>
-            <a:pPr lvl="1"/>
-            <a:r>
-              <a:rPr/>
-              <a:t>Available resource –</a:t>
+              <a:t>Meta-Analysis</a:t>
             </a:r>
           </a:p>
           <a:p>
             <a:pPr lvl="2"/>
             <a:r>
               <a:rPr/>
-              <a:t>Research Proposal Structure Information document</a:t>
-            </a:r>
-          </a:p>
-          <a:p>
-            <a:pPr lvl="3"/>
-            <a:r>
-              <a:rPr/>
-              <a:t>Week by Week / General Information</a:t>
-            </a:r>
-          </a:p>
-          <a:p>
-            <a:pPr lvl="0" marL="0" indent="0">
-              <a:buNone/>
-            </a:pPr>
-            <a:r>
-              <a:rPr/>
-              <a:t>.footnote[43]</a:t>
+              <a:t>Research synthesis of multiple studies</a:t>
+            </a:r>
+          </a:p>
+          <a:p>
+            <a:pPr lvl="2"/>
+            <a:r>
+              <a:rPr/>
+              <a:t>Uses effect size value from each study</a:t>
+            </a:r>
+          </a:p>
+          <a:p>
+            <a:pPr lvl="2"/>
+            <a:r>
+              <a:rPr/>
+              <a:t>Advantage over systematic review – compute a summary statistic that represents overall estimate</a:t>
+            </a:r>
+          </a:p>
+          <a:p>
+            <a:pPr lvl="2"/>
+            <a:r>
+              <a:rPr/>
+              <a:t>Provides evidence of reliability of research finding</a:t>
+            </a:r>
+          </a:p>
+          <a:p>
+            <a:pPr lvl="2"/>
+            <a:r>
+              <a:rPr/>
+              <a:t>Include findings from studies that failed to find statistical significance</a:t>
+            </a:r>
+          </a:p>
+          <a:p>
+            <a:pPr lvl="2"/>
+            <a:r>
+              <a:rPr/>
+              <a:t>Increased external validity</a:t>
             </a:r>
           </a:p>
         </p:txBody>
@@ -7901,45 +8586,65 @@
             </a:pPr>
             <a:r>
               <a:rPr/>
-              <a:t>Assignment</a:t>
-            </a:r>
-          </a:p>
-        </p:txBody>
-      </p:sp>
-      <p:sp>
-        <p:nvSpPr>
-          <p:cNvPr id="3" name="Content Placeholder 2"/>
-          <p:cNvSpPr>
-            <a:spLocks noGrp="1"/>
-          </p:cNvSpPr>
-          <p:nvPr>
-            <p:ph idx="1"/>
-          </p:nvPr>
-        </p:nvSpPr>
-        <p:spPr/>
-        <p:txBody>
-          <a:bodyPr/>
-          <a:lstStyle/>
-          <a:p>
-            <a:pPr lvl="1">
-              <a:buAutoNum type="arabicPeriod"/>
-            </a:pPr>
-            <a:r>
-              <a:rPr/>
-              <a:t>Prepare an “outline” for your written research proposal that is the final project. The outline should include the various sections that should be in the Methods section of the proposal. Given the work done on the previous assignments, this outline should include a substantial amount of detail.</a:t>
-            </a:r>
-          </a:p>
-          <a:p>
-            <a:pPr lvl="1">
-              <a:buAutoNum type="arabicPeriod"/>
-            </a:pPr>
-            <a:r>
-              <a:rPr/>
-              <a:t>Prepare for next weekâ€™s session</a:t>
-            </a:r>
-          </a:p>
-        </p:txBody>
-      </p:sp>
+              <a:t>Making</a:t>
+            </a:r>
+            <a:r>
+              <a:rPr/>
+              <a:t> </a:t>
+            </a:r>
+            <a:r>
+              <a:rPr/>
+              <a:t>Inferences</a:t>
+            </a:r>
+            <a:r>
+              <a:rPr/>
+              <a:t> </a:t>
+            </a:r>
+            <a:r>
+              <a:rPr/>
+              <a:t>–</a:t>
+            </a:r>
+            <a:r>
+              <a:rPr/>
+              <a:t> </a:t>
+            </a:r>
+            <a:r>
+              <a:rPr/>
+              <a:t>EBA</a:t>
+            </a:r>
+          </a:p>
+        </p:txBody>
+      </p:sp>
+      <p:pic>
+        <p:nvPicPr>
+          <p:cNvPr descr="../images/image-12-12.png" id="0" name="Picture 1"/>
+          <p:cNvPicPr>
+            <a:picLocks noGrp="1" noChangeAspect="1"/>
+          </p:cNvPicPr>
+          <p:nvPr/>
+        </p:nvPicPr>
+        <p:blipFill>
+          <a:blip r:embed="rId3"/>
+          <a:stretch>
+            <a:fillRect/>
+          </a:stretch>
+        </p:blipFill>
+        <p:spPr bwMode="auto">
+          <a:xfrm>
+            <a:off x="1574800" y="1600200"/>
+            <a:ext cx="5994400" cy="4521200"/>
+          </a:xfrm>
+          <a:prstGeom prst="rect">
+            <a:avLst/>
+          </a:prstGeom>
+          <a:noFill/>
+          <a:ln w="9525">
+            <a:noFill/>
+            <a:headEnd/>
+            <a:tailEnd/>
+          </a:ln>
+        </p:spPr>
+      </p:pic>
     </p:spTree>
   </p:cSld>
 </p:sld>
@@ -7982,71 +8687,65 @@
             </a:pPr>
             <a:r>
               <a:rPr/>
-              <a:t>Discussion</a:t>
-            </a:r>
-            <a:r>
-              <a:rPr/>
-              <a:t> </a:t>
-            </a:r>
-            <a:r>
-              <a:rPr/>
-              <a:t>questions</a:t>
-            </a:r>
-          </a:p>
-        </p:txBody>
-      </p:sp>
-      <p:sp>
-        <p:nvSpPr>
-          <p:cNvPr id="3" name="Content Placeholder 2"/>
-          <p:cNvSpPr>
-            <a:spLocks noGrp="1"/>
-          </p:cNvSpPr>
-          <p:nvPr>
-            <p:ph idx="1"/>
-          </p:nvPr>
-        </p:nvSpPr>
-        <p:spPr/>
-        <p:txBody>
-          <a:bodyPr/>
-          <a:lstStyle/>
-          <a:p>
-            <a:pPr lvl="1">
-              <a:buAutoNum type="arabicPeriod"/>
-            </a:pPr>
-            <a:r>
-              <a:rPr/>
-              <a:t>What is meant by the â€œnull hypothesisâ€ versus a â€œresearch hypothesisâ€; which is being tested by the statistical analysis of the data; and can you â€œproveâ€ a null hypothesis?</a:t>
-            </a:r>
-          </a:p>
-          <a:p>
-            <a:pPr lvl="1">
-              <a:buAutoNum type="arabicPeriod"/>
-            </a:pPr>
-            <a:r>
-              <a:rPr/>
-              <a:t>Will you include research questions or research hypotheses in your research proposal?</a:t>
-            </a:r>
-          </a:p>
-          <a:p>
-            <a:pPr lvl="1">
-              <a:buAutoNum type="arabicPeriod"/>
-            </a:pPr>
-            <a:r>
-              <a:rPr/>
-              <a:t>Do you have information available that is needed to determine sample size for your planned research project?</a:t>
-            </a:r>
-          </a:p>
-          <a:p>
-            <a:pPr lvl="1">
-              <a:buAutoNum type="arabicPeriod"/>
-            </a:pPr>
-            <a:r>
-              <a:rPr/>
-              <a:t>What outcome variables will be the focus of your research questions/hypotheses?</a:t>
-            </a:r>
-          </a:p>
-        </p:txBody>
-      </p:sp>
+              <a:t>Making</a:t>
+            </a:r>
+            <a:r>
+              <a:rPr/>
+              <a:t> </a:t>
+            </a:r>
+            <a:r>
+              <a:rPr/>
+              <a:t>Inferences</a:t>
+            </a:r>
+            <a:r>
+              <a:rPr/>
+              <a:t> </a:t>
+            </a:r>
+            <a:r>
+              <a:rPr/>
+              <a:t>–</a:t>
+            </a:r>
+            <a:r>
+              <a:rPr/>
+              <a:t> </a:t>
+            </a:r>
+            <a:r>
+              <a:rPr/>
+              <a:t>EBA</a:t>
+            </a:r>
+          </a:p>
+        </p:txBody>
+      </p:sp>
+      <p:pic>
+        <p:nvPicPr>
+          <p:cNvPr descr="../images/image-12-13.png" id="0" name="Picture 1"/>
+          <p:cNvPicPr>
+            <a:picLocks noGrp="1" noChangeAspect="1"/>
+          </p:cNvPicPr>
+          <p:nvPr/>
+        </p:nvPicPr>
+        <p:blipFill>
+          <a:blip r:embed="rId3"/>
+          <a:stretch>
+            <a:fillRect/>
+          </a:stretch>
+        </p:blipFill>
+        <p:spPr bwMode="auto">
+          <a:xfrm>
+            <a:off x="1511300" y="1600200"/>
+            <a:ext cx="6134100" cy="4521200"/>
+          </a:xfrm>
+          <a:prstGeom prst="rect">
+            <a:avLst/>
+          </a:prstGeom>
+          <a:noFill/>
+          <a:ln w="9525">
+            <a:noFill/>
+            <a:headEnd/>
+            <a:tailEnd/>
+          </a:ln>
+        </p:spPr>
+      </p:pic>
     </p:spTree>
   </p:cSld>
 </p:sld>
@@ -8089,15 +8788,140 @@
             </a:pPr>
             <a:r>
               <a:rPr/>
-              <a:t>Additional</a:t>
-            </a:r>
-            <a:r>
-              <a:rPr/>
-              <a:t> </a:t>
-            </a:r>
-            <a:r>
-              <a:rPr/>
-              <a:t>slides</a:t>
+              <a:t>Assignment</a:t>
+            </a:r>
+            <a:r>
+              <a:rPr/>
+              <a:t> </a:t>
+            </a:r>
+            <a:r>
+              <a:rPr/>
+              <a:t>#9</a:t>
+            </a:r>
+          </a:p>
+        </p:txBody>
+      </p:sp>
+      <p:sp>
+        <p:nvSpPr>
+          <p:cNvPr id="3" name="Content Placeholder 2"/>
+          <p:cNvSpPr>
+            <a:spLocks noGrp="1"/>
+          </p:cNvSpPr>
+          <p:nvPr>
+            <p:ph idx="1"/>
+          </p:nvPr>
+        </p:nvSpPr>
+        <p:spPr/>
+        <p:txBody>
+          <a:bodyPr/>
+          <a:lstStyle/>
+          <a:p>
+            <a:pPr lvl="1"/>
+            <a:r>
+              <a:rPr/>
+              <a:t>Complete an “outline” of your written proposal. Refer to the “Research Proposal Structure Overview/Structure” document in the Course Content folder on Blackboard. This “outline” should reflect a substantial amount of detail including sub-headings in the literature review section and methods section. Sections that reflect earlier assignments should contain near-complete drafts of the information that is relevant to your proposed project.</a:t>
+            </a:r>
+          </a:p>
+          <a:p>
+            <a:pPr lvl="1"/>
+            <a:r>
+              <a:rPr/>
+              <a:t>Available resource –</a:t>
+            </a:r>
+          </a:p>
+          <a:p>
+            <a:pPr lvl="2"/>
+            <a:r>
+              <a:rPr/>
+              <a:t>Research Proposal Structure Information document</a:t>
+            </a:r>
+          </a:p>
+          <a:p>
+            <a:pPr lvl="3"/>
+            <a:r>
+              <a:rPr/>
+              <a:t>Week by Week / General Information</a:t>
+            </a:r>
+          </a:p>
+        </p:txBody>
+      </p:sp>
+    </p:spTree>
+  </p:cSld>
+</p:sld>
+</file>
+
+<file path=ppt/slides/slide49.xml><?xml version="1.0" encoding="utf-8"?>
+<p:sld xmlns:a="http://schemas.openxmlformats.org/drawingml/2006/main" xmlns:r="http://schemas.openxmlformats.org/officeDocument/2006/relationships" xmlns:p="http://schemas.openxmlformats.org/presentationml/2006/main">
+  <p:cSld>
+    <p:spTree>
+      <p:nvGrpSpPr>
+        <p:cNvPr id="1" name=""/>
+        <p:cNvGrpSpPr/>
+        <p:nvPr/>
+      </p:nvGrpSpPr>
+      <p:grpSpPr>
+        <a:xfrm>
+          <a:off x="0" y="0"/>
+          <a:ext cx="0" cy="0"/>
+          <a:chOff x="0" y="0"/>
+          <a:chExt cx="0" cy="0"/>
+        </a:xfrm>
+      </p:grpSpPr>
+      <p:sp>
+        <p:nvSpPr>
+          <p:cNvPr id="2" name="Title 1"/>
+          <p:cNvSpPr>
+            <a:spLocks noGrp="1"/>
+          </p:cNvSpPr>
+          <p:nvPr>
+            <p:ph type="title"/>
+          </p:nvPr>
+        </p:nvSpPr>
+        <p:spPr/>
+        <p:txBody>
+          <a:bodyPr/>
+          <a:lstStyle/>
+          <a:p>
+            <a:pPr lvl="0" marL="0" indent="0">
+              <a:buNone/>
+            </a:pPr>
+            <a:r>
+              <a:rPr/>
+              <a:t>Assignment</a:t>
+            </a:r>
+          </a:p>
+        </p:txBody>
+      </p:sp>
+      <p:sp>
+        <p:nvSpPr>
+          <p:cNvPr id="3" name="Content Placeholder 2"/>
+          <p:cNvSpPr>
+            <a:spLocks noGrp="1"/>
+          </p:cNvSpPr>
+          <p:nvPr>
+            <p:ph idx="1"/>
+          </p:nvPr>
+        </p:nvSpPr>
+        <p:spPr/>
+        <p:txBody>
+          <a:bodyPr/>
+          <a:lstStyle/>
+          <a:p>
+            <a:pPr lvl="1">
+              <a:buAutoNum type="arabicPeriod"/>
+            </a:pPr>
+            <a:r>
+              <a:rPr/>
+              <a:t>Prepare an “outline” for your written research proposal that is the final project. The outline should include the various sections that should be in the Methods section of the proposal. Given the work done on the previous assignments, this outline should include a substantial amount of detail.</a:t>
+            </a:r>
+          </a:p>
+          <a:p>
+            <a:pPr lvl="1">
+              <a:buAutoNum type="arabicPeriod"/>
+            </a:pPr>
+            <a:r>
+              <a:rPr/>
+              <a:t>Prepare for next weekâ€™s session</a:t>
             </a:r>
           </a:p>
         </p:txBody>
@@ -8250,13 +9074,166 @@
               <a:t>Directional negative</a:t>
             </a:r>
           </a:p>
+        </p:txBody>
+      </p:sp>
+    </p:spTree>
+  </p:cSld>
+</p:sld>
+</file>
+
+<file path=ppt/slides/slide50.xml><?xml version="1.0" encoding="utf-8"?>
+<p:sld xmlns:a="http://schemas.openxmlformats.org/drawingml/2006/main" xmlns:r="http://schemas.openxmlformats.org/officeDocument/2006/relationships" xmlns:p="http://schemas.openxmlformats.org/presentationml/2006/main">
+  <p:cSld>
+    <p:spTree>
+      <p:nvGrpSpPr>
+        <p:cNvPr id="1" name=""/>
+        <p:cNvGrpSpPr/>
+        <p:nvPr/>
+      </p:nvGrpSpPr>
+      <p:grpSpPr>
+        <a:xfrm>
+          <a:off x="0" y="0"/>
+          <a:ext cx="0" cy="0"/>
+          <a:chOff x="0" y="0"/>
+          <a:chExt cx="0" cy="0"/>
+        </a:xfrm>
+      </p:grpSpPr>
+      <p:sp>
+        <p:nvSpPr>
+          <p:cNvPr id="2" name="Title 1"/>
+          <p:cNvSpPr>
+            <a:spLocks noGrp="1"/>
+          </p:cNvSpPr>
+          <p:nvPr>
+            <p:ph type="title"/>
+          </p:nvPr>
+        </p:nvSpPr>
+        <p:spPr/>
+        <p:txBody>
+          <a:bodyPr/>
+          <a:lstStyle/>
           <a:p>
             <a:pPr lvl="0" marL="0" indent="0">
               <a:buNone/>
             </a:pPr>
             <a:r>
               <a:rPr/>
-              <a:t>.footnote[3]</a:t>
+              <a:t>Discussion</a:t>
+            </a:r>
+            <a:r>
+              <a:rPr/>
+              <a:t> </a:t>
+            </a:r>
+            <a:r>
+              <a:rPr/>
+              <a:t>questions</a:t>
+            </a:r>
+          </a:p>
+        </p:txBody>
+      </p:sp>
+      <p:sp>
+        <p:nvSpPr>
+          <p:cNvPr id="3" name="Content Placeholder 2"/>
+          <p:cNvSpPr>
+            <a:spLocks noGrp="1"/>
+          </p:cNvSpPr>
+          <p:nvPr>
+            <p:ph idx="1"/>
+          </p:nvPr>
+        </p:nvSpPr>
+        <p:spPr/>
+        <p:txBody>
+          <a:bodyPr/>
+          <a:lstStyle/>
+          <a:p>
+            <a:pPr lvl="1">
+              <a:buAutoNum type="arabicPeriod"/>
+            </a:pPr>
+            <a:r>
+              <a:rPr/>
+              <a:t>What is meant by the â€œnull hypothesisâ€ versus a â€œresearch hypothesisâ€; which is being tested by the statistical analysis of the data; and can you â€œproveâ€ a null hypothesis?</a:t>
+            </a:r>
+          </a:p>
+          <a:p>
+            <a:pPr lvl="1">
+              <a:buAutoNum type="arabicPeriod"/>
+            </a:pPr>
+            <a:r>
+              <a:rPr/>
+              <a:t>Will you include research questions or research hypotheses in your research proposal?</a:t>
+            </a:r>
+          </a:p>
+          <a:p>
+            <a:pPr lvl="1">
+              <a:buAutoNum type="arabicPeriod"/>
+            </a:pPr>
+            <a:r>
+              <a:rPr/>
+              <a:t>Do you have information available that is needed to determine sample size for your planned research project?</a:t>
+            </a:r>
+          </a:p>
+          <a:p>
+            <a:pPr lvl="1">
+              <a:buAutoNum type="arabicPeriod"/>
+            </a:pPr>
+            <a:r>
+              <a:rPr/>
+              <a:t>What outcome variables will be the focus of your research questions/hypotheses?</a:t>
+            </a:r>
+          </a:p>
+        </p:txBody>
+      </p:sp>
+    </p:spTree>
+  </p:cSld>
+</p:sld>
+</file>
+
+<file path=ppt/slides/slide51.xml><?xml version="1.0" encoding="utf-8"?>
+<p:sld xmlns:a="http://schemas.openxmlformats.org/drawingml/2006/main" xmlns:r="http://schemas.openxmlformats.org/officeDocument/2006/relationships" xmlns:p="http://schemas.openxmlformats.org/presentationml/2006/main">
+  <p:cSld>
+    <p:spTree>
+      <p:nvGrpSpPr>
+        <p:cNvPr id="1" name=""/>
+        <p:cNvGrpSpPr/>
+        <p:nvPr/>
+      </p:nvGrpSpPr>
+      <p:grpSpPr>
+        <a:xfrm>
+          <a:off x="0" y="0"/>
+          <a:ext cx="0" cy="0"/>
+          <a:chOff x="0" y="0"/>
+          <a:chExt cx="0" cy="0"/>
+        </a:xfrm>
+      </p:grpSpPr>
+      <p:sp>
+        <p:nvSpPr>
+          <p:cNvPr id="2" name="Title 1"/>
+          <p:cNvSpPr>
+            <a:spLocks noGrp="1"/>
+          </p:cNvSpPr>
+          <p:nvPr>
+            <p:ph type="title"/>
+          </p:nvPr>
+        </p:nvSpPr>
+        <p:spPr/>
+        <p:txBody>
+          <a:bodyPr/>
+          <a:lstStyle/>
+          <a:p>
+            <a:pPr lvl="0" marL="0" indent="0">
+              <a:buNone/>
+            </a:pPr>
+            <a:r>
+              <a:rPr/>
+              <a:t>Additional</a:t>
+            </a:r>
+            <a:r>
+              <a:rPr/>
+              <a:t> </a:t>
+            </a:r>
+            <a:r>
+              <a:rPr/>
+              <a:t>slides</a:t>
             </a:r>
           </a:p>
         </p:txBody>
@@ -8402,15 +9379,6 @@
               <a:t>Interpretation</a:t>
             </a:r>
           </a:p>
-          <a:p>
-            <a:pPr lvl="0" marL="0" indent="0">
-              <a:buNone/>
-            </a:pPr>
-            <a:r>
-              <a:rPr/>
-              <a:t>.footnote[4]</a:t>
-            </a:r>
-          </a:p>
         </p:txBody>
       </p:sp>
     </p:spTree>
@@ -8533,15 +9501,6 @@
               <a:t>Inference from the study sample to the population</a:t>
             </a:r>
           </a:p>
-          <a:p>
-            <a:pPr lvl="0" marL="0" indent="0">
-              <a:buNone/>
-            </a:pPr>
-            <a:r>
-              <a:rPr/>
-              <a:t>.footnote[5]</a:t>
-            </a:r>
-          </a:p>
         </p:txBody>
       </p:sp>
     </p:spTree>
@@ -8615,47 +9574,36 @@
           </a:p>
         </p:txBody>
       </p:sp>
-      <p:sp>
-        <p:nvSpPr>
-          <p:cNvPr id="3" name="Content Placeholder 2"/>
-          <p:cNvSpPr>
-            <a:spLocks noGrp="1"/>
-          </p:cNvSpPr>
-          <p:nvPr>
-            <p:ph idx="1"/>
-          </p:nvPr>
-        </p:nvSpPr>
-        <p:spPr/>
-        <p:txBody>
-          <a:bodyPr/>
-          <a:lstStyle/>
-          <a:p>
-            <a:pPr lvl="1"/>
-            <a:r>
-              <a:rPr/>
-              <a:t>Example</a:t>
-            </a:r>
-          </a:p>
-          <a:p>
-            <a:pPr lvl="0" marL="0" indent="0">
-              <a:buNone/>
-            </a:pPr>
-            <a:r>
-              <a:rPr/>
-              <a:t>(assets/img/image1.emf)</a:t>
-            </a:r>
-          </a:p>
-          <a:p>
-            <a:pPr lvl="0" marL="0" indent="0">
-              <a:buNone/>
-            </a:pPr>
-            <a:r>
-              <a:rPr/>
-              <a:t>.footnote[6]</a:t>
-            </a:r>
-          </a:p>
-        </p:txBody>
-      </p:sp>
+      <p:pic>
+        <p:nvPicPr>
+          <p:cNvPr descr="../images/image-12-01.png" id="0" name="Picture 1"/>
+          <p:cNvPicPr>
+            <a:picLocks noGrp="1" noChangeAspect="1"/>
+          </p:cNvPicPr>
+          <p:nvPr/>
+        </p:nvPicPr>
+        <p:blipFill>
+          <a:blip r:embed="rId3"/>
+          <a:stretch>
+            <a:fillRect/>
+          </a:stretch>
+        </p:blipFill>
+        <p:spPr bwMode="auto">
+          <a:xfrm>
+            <a:off x="1244600" y="1600200"/>
+            <a:ext cx="6654800" cy="4521200"/>
+          </a:xfrm>
+          <a:prstGeom prst="rect">
+            <a:avLst/>
+          </a:prstGeom>
+          <a:noFill/>
+          <a:ln w="9525">
+            <a:noFill/>
+            <a:headEnd/>
+            <a:tailEnd/>
+          </a:ln>
+        </p:spPr>
+      </p:pic>
     </p:spTree>
   </p:cSld>
 </p:sld>
@@ -8781,15 +9729,6 @@
             <a:r>
               <a:rPr/>
               <a:t>Control group: mean = 65</a:t>
-            </a:r>
-          </a:p>
-          <a:p>
-            <a:pPr lvl="0" marL="0" indent="0">
-              <a:buNone/>
-            </a:pPr>
-            <a:r>
-              <a:rPr/>
-              <a:t>.footnote[7]</a:t>
             </a:r>
           </a:p>
         </p:txBody>
@@ -9117,4 +10056,265 @@
   </a:objectDefaults>
   <a:extraClrSchemeLst/>
 </a:theme>
+</file>
+
+<file path=ppt/theme/theme2.xml><?xml version="1.0" encoding="utf-8"?>
+<a:theme xmlns:a="http://schemas.openxmlformats.org/drawingml/2006/main" name="Office Theme">
+  <a:themeElements>
+    <a:clrScheme name="Office">
+      <a:dk1>
+        <a:sysClr val="windowText" lastClr="000000"/>
+      </a:dk1>
+      <a:lt1>
+        <a:sysClr val="window" lastClr="FFFFFF"/>
+      </a:lt1>
+      <a:dk2>
+        <a:srgbClr val="44546A"/>
+      </a:dk2>
+      <a:lt2>
+        <a:srgbClr val="E7E6E6"/>
+      </a:lt2>
+      <a:accent1>
+        <a:srgbClr val="5B9BD5"/>
+      </a:accent1>
+      <a:accent2>
+        <a:srgbClr val="ED7D31"/>
+      </a:accent2>
+      <a:accent3>
+        <a:srgbClr val="A5A5A5"/>
+      </a:accent3>
+      <a:accent4>
+        <a:srgbClr val="FFC000"/>
+      </a:accent4>
+      <a:accent5>
+        <a:srgbClr val="4472C4"/>
+      </a:accent5>
+      <a:accent6>
+        <a:srgbClr val="70AD47"/>
+      </a:accent6>
+      <a:hlink>
+        <a:srgbClr val="0563C1"/>
+      </a:hlink>
+      <a:folHlink>
+        <a:srgbClr val="954F72"/>
+      </a:folHlink>
+    </a:clrScheme>
+    <a:fontScheme name="Office">
+      <a:majorFont>
+        <a:latin typeface="Calibri Light" panose="020F0302020204030204"/>
+        <a:ea typeface=""/>
+        <a:cs typeface=""/>
+        <a:font script="Jpan" typeface="ＭＳ Ｐゴシック"/>
+        <a:font script="Hang" typeface="맑은 고딕"/>
+        <a:font script="Hans" typeface="宋体"/>
+        <a:font script="Hant" typeface="新細明體"/>
+        <a:font script="Arab" typeface="Times New Roman"/>
+        <a:font script="Hebr" typeface="Times New Roman"/>
+        <a:font script="Thai" typeface="Angsana New"/>
+        <a:font script="Ethi" typeface="Nyala"/>
+        <a:font script="Beng" typeface="Vrinda"/>
+        <a:font script="Gujr" typeface="Shruti"/>
+        <a:font script="Khmr" typeface="MoolBoran"/>
+        <a:font script="Knda" typeface="Tunga"/>
+        <a:font script="Guru" typeface="Raavi"/>
+        <a:font script="Cans" typeface="Euphemia"/>
+        <a:font script="Cher" typeface="Plantagenet Cherokee"/>
+        <a:font script="Yiii" typeface="Microsoft Yi Baiti"/>
+        <a:font script="Tibt" typeface="Microsoft Himalaya"/>
+        <a:font script="Thaa" typeface="MV Boli"/>
+        <a:font script="Deva" typeface="Mangal"/>
+        <a:font script="Telu" typeface="Gautami"/>
+        <a:font script="Taml" typeface="Latha"/>
+        <a:font script="Syrc" typeface="Estrangelo Edessa"/>
+        <a:font script="Orya" typeface="Kalinga"/>
+        <a:font script="Mlym" typeface="Kartika"/>
+        <a:font script="Laoo" typeface="DokChampa"/>
+        <a:font script="Sinh" typeface="Iskoola Pota"/>
+        <a:font script="Mong" typeface="Mongolian Baiti"/>
+        <a:font script="Viet" typeface="Times New Roman"/>
+        <a:font script="Uigh" typeface="Microsoft Uighur"/>
+        <a:font script="Geor" typeface="Sylfaen"/>
+      </a:majorFont>
+      <a:minorFont>
+        <a:latin typeface="Calibri" panose="020F0502020204030204"/>
+        <a:ea typeface=""/>
+        <a:cs typeface=""/>
+        <a:font script="Jpan" typeface="ＭＳ Ｐゴシック"/>
+        <a:font script="Hang" typeface="맑은 고딕"/>
+        <a:font script="Hans" typeface="宋体"/>
+        <a:font script="Hant" typeface="新細明體"/>
+        <a:font script="Arab" typeface="Arial"/>
+        <a:font script="Hebr" typeface="Arial"/>
+        <a:font script="Thai" typeface="Cordia New"/>
+        <a:font script="Ethi" typeface="Nyala"/>
+        <a:font script="Beng" typeface="Vrinda"/>
+        <a:font script="Gujr" typeface="Shruti"/>
+        <a:font script="Khmr" typeface="DaunPenh"/>
+        <a:font script="Knda" typeface="Tunga"/>
+        <a:font script="Guru" typeface="Raavi"/>
+        <a:font script="Cans" typeface="Euphemia"/>
+        <a:font script="Cher" typeface="Plantagenet Cherokee"/>
+        <a:font script="Yiii" typeface="Microsoft Yi Baiti"/>
+        <a:font script="Tibt" typeface="Microsoft Himalaya"/>
+        <a:font script="Thaa" typeface="MV Boli"/>
+        <a:font script="Deva" typeface="Mangal"/>
+        <a:font script="Telu" typeface="Gautami"/>
+        <a:font script="Taml" typeface="Latha"/>
+        <a:font script="Syrc" typeface="Estrangelo Edessa"/>
+        <a:font script="Orya" typeface="Kalinga"/>
+        <a:font script="Mlym" typeface="Kartika"/>
+        <a:font script="Laoo" typeface="DokChampa"/>
+        <a:font script="Sinh" typeface="Iskoola Pota"/>
+        <a:font script="Mong" typeface="Mongolian Baiti"/>
+        <a:font script="Viet" typeface="Arial"/>
+        <a:font script="Uigh" typeface="Microsoft Uighur"/>
+        <a:font script="Geor" typeface="Sylfaen"/>
+      </a:minorFont>
+    </a:fontScheme>
+    <a:fmtScheme name="Office">
+      <a:fillStyleLst>
+        <a:solidFill>
+          <a:schemeClr val="phClr"/>
+        </a:solidFill>
+        <a:gradFill rotWithShape="1">
+          <a:gsLst>
+            <a:gs pos="0">
+              <a:schemeClr val="phClr">
+                <a:lumMod val="110000"/>
+                <a:satMod val="105000"/>
+                <a:tint val="67000"/>
+              </a:schemeClr>
+            </a:gs>
+            <a:gs pos="50000">
+              <a:schemeClr val="phClr">
+                <a:lumMod val="105000"/>
+                <a:satMod val="103000"/>
+                <a:tint val="73000"/>
+              </a:schemeClr>
+            </a:gs>
+            <a:gs pos="100000">
+              <a:schemeClr val="phClr">
+                <a:lumMod val="105000"/>
+                <a:satMod val="109000"/>
+                <a:tint val="81000"/>
+              </a:schemeClr>
+            </a:gs>
+          </a:gsLst>
+          <a:lin ang="5400000" scaled="0"/>
+        </a:gradFill>
+        <a:gradFill rotWithShape="1">
+          <a:gsLst>
+            <a:gs pos="0">
+              <a:schemeClr val="phClr">
+                <a:satMod val="103000"/>
+                <a:lumMod val="102000"/>
+                <a:tint val="94000"/>
+              </a:schemeClr>
+            </a:gs>
+            <a:gs pos="50000">
+              <a:schemeClr val="phClr">
+                <a:satMod val="110000"/>
+                <a:lumMod val="100000"/>
+                <a:shade val="100000"/>
+              </a:schemeClr>
+            </a:gs>
+            <a:gs pos="100000">
+              <a:schemeClr val="phClr">
+                <a:lumMod val="99000"/>
+                <a:satMod val="120000"/>
+                <a:shade val="78000"/>
+              </a:schemeClr>
+            </a:gs>
+          </a:gsLst>
+          <a:lin ang="5400000" scaled="0"/>
+        </a:gradFill>
+      </a:fillStyleLst>
+      <a:lnStyleLst>
+        <a:ln w="6350" cap="flat" cmpd="sng" algn="ctr">
+          <a:solidFill>
+            <a:schemeClr val="phClr"/>
+          </a:solidFill>
+          <a:prstDash val="solid"/>
+          <a:miter lim="800000"/>
+        </a:ln>
+        <a:ln w="12700" cap="flat" cmpd="sng" algn="ctr">
+          <a:solidFill>
+            <a:schemeClr val="phClr"/>
+          </a:solidFill>
+          <a:prstDash val="solid"/>
+          <a:miter lim="800000"/>
+        </a:ln>
+        <a:ln w="19050" cap="flat" cmpd="sng" algn="ctr">
+          <a:solidFill>
+            <a:schemeClr val="phClr"/>
+          </a:solidFill>
+          <a:prstDash val="solid"/>
+          <a:miter lim="800000"/>
+        </a:ln>
+      </a:lnStyleLst>
+      <a:effectStyleLst>
+        <a:effectStyle>
+          <a:effectLst/>
+        </a:effectStyle>
+        <a:effectStyle>
+          <a:effectLst/>
+        </a:effectStyle>
+        <a:effectStyle>
+          <a:effectLst>
+            <a:outerShdw blurRad="57150" dist="19050" dir="5400000" algn="ctr" rotWithShape="0">
+              <a:srgbClr val="000000">
+                <a:alpha val="63000"/>
+              </a:srgbClr>
+            </a:outerShdw>
+          </a:effectLst>
+        </a:effectStyle>
+      </a:effectStyleLst>
+      <a:bgFillStyleLst>
+        <a:solidFill>
+          <a:schemeClr val="phClr"/>
+        </a:solidFill>
+        <a:solidFill>
+          <a:schemeClr val="phClr">
+            <a:tint val="95000"/>
+            <a:satMod val="170000"/>
+          </a:schemeClr>
+        </a:solidFill>
+        <a:gradFill rotWithShape="1">
+          <a:gsLst>
+            <a:gs pos="0">
+              <a:schemeClr val="phClr">
+                <a:tint val="93000"/>
+                <a:satMod val="150000"/>
+                <a:shade val="98000"/>
+                <a:lumMod val="102000"/>
+              </a:schemeClr>
+            </a:gs>
+            <a:gs pos="50000">
+              <a:schemeClr val="phClr">
+                <a:tint val="98000"/>
+                <a:satMod val="130000"/>
+                <a:shade val="90000"/>
+                <a:lumMod val="103000"/>
+              </a:schemeClr>
+            </a:gs>
+            <a:gs pos="100000">
+              <a:schemeClr val="phClr">
+                <a:shade val="63000"/>
+                <a:satMod val="120000"/>
+              </a:schemeClr>
+            </a:gs>
+          </a:gsLst>
+          <a:lin ang="5400000" scaled="0"/>
+        </a:gradFill>
+      </a:bgFillStyleLst>
+    </a:fmtScheme>
+  </a:themeElements>
+  <a:objectDefaults/>
+  <a:extraClrSchemeLst/>
+  <a:extLst>
+    <a:ext uri="{05A4C25C-085E-4340-85A3-A5531E510DB2}">
+      <thm15:themeFamily xmlns:thm15="http://schemas.microsoft.com/office/thememl/2012/main" name="Office Theme" id="{62F939B6-93AF-4DB8-9C6B-D6C7DFDC589F}" vid="{4A3C46E8-61CC-4603-A589-7422A47A8E4A}"/>
+    </a:ext>
+  </a:extLst>
+</a:theme>
 </file>